--- a/Família ISO 9000.pptx
+++ b/Família ISO 9000.pptx
@@ -4,6 +4,9 @@
   <p:sldMasterIdLst>
     <p:sldMasterId id="2147483660" r:id="rId1"/>
   </p:sldMasterIdLst>
+  <p:notesMasterIdLst>
+    <p:notesMasterId r:id="rId43"/>
+  </p:notesMasterIdLst>
   <p:sldIdLst>
     <p:sldId id="256" r:id="rId2"/>
     <p:sldId id="257" r:id="rId3"/>
@@ -32,6 +35,20 @@
     <p:sldId id="280" r:id="rId26"/>
     <p:sldId id="281" r:id="rId27"/>
     <p:sldId id="282" r:id="rId28"/>
+    <p:sldId id="283" r:id="rId29"/>
+    <p:sldId id="284" r:id="rId30"/>
+    <p:sldId id="285" r:id="rId31"/>
+    <p:sldId id="286" r:id="rId32"/>
+    <p:sldId id="287" r:id="rId33"/>
+    <p:sldId id="288" r:id="rId34"/>
+    <p:sldId id="289" r:id="rId35"/>
+    <p:sldId id="290" r:id="rId36"/>
+    <p:sldId id="291" r:id="rId37"/>
+    <p:sldId id="292" r:id="rId38"/>
+    <p:sldId id="293" r:id="rId39"/>
+    <p:sldId id="294" r:id="rId40"/>
+    <p:sldId id="295" r:id="rId41"/>
+    <p:sldId id="296" r:id="rId42"/>
   </p:sldIdLst>
   <p:sldSz cx="9144000" cy="6858000" type="screen4x3"/>
   <p:notesSz cx="6858000" cy="9144000"/>
@@ -130,7 +147,625 @@
       </a:defRPr>
     </a:lvl9pPr>
   </p:defaultTextStyle>
+  <p:extLst>
+    <p:ext uri="{EFAFB233-063F-42B5-8137-9DF3F51BA10A}">
+      <p15:sldGuideLst xmlns:p15="http://schemas.microsoft.com/office/powerpoint/2012/main">
+        <p15:guide id="1" orient="horz" pos="2160">
+          <p15:clr>
+            <a:srgbClr val="A4A3A4"/>
+          </p15:clr>
+        </p15:guide>
+        <p15:guide id="2" pos="2880">
+          <p15:clr>
+            <a:srgbClr val="A4A3A4"/>
+          </p15:clr>
+        </p15:guide>
+      </p15:sldGuideLst>
+    </p:ext>
+  </p:extLst>
 </p:presentation>
+</file>
+
+<file path=ppt/notesMasters/notesMaster1.xml><?xml version="1.0" encoding="utf-8"?>
+<p:notesMaster xmlns:a="http://schemas.openxmlformats.org/drawingml/2006/main" xmlns:r="http://schemas.openxmlformats.org/officeDocument/2006/relationships" xmlns:p="http://schemas.openxmlformats.org/presentationml/2006/main">
+  <p:cSld>
+    <p:bg>
+      <p:bgRef idx="1001">
+        <a:schemeClr val="bg1"/>
+      </p:bgRef>
+    </p:bg>
+    <p:spTree>
+      <p:nvGrpSpPr>
+        <p:cNvPr id="1" name=""/>
+        <p:cNvGrpSpPr/>
+        <p:nvPr/>
+      </p:nvGrpSpPr>
+      <p:grpSpPr>
+        <a:xfrm>
+          <a:off x="0" y="0"/>
+          <a:ext cx="0" cy="0"/>
+          <a:chOff x="0" y="0"/>
+          <a:chExt cx="0" cy="0"/>
+        </a:xfrm>
+      </p:grpSpPr>
+      <p:sp>
+        <p:nvSpPr>
+          <p:cNvPr id="2" name="Espaço Reservado para Cabeçalho 1"/>
+          <p:cNvSpPr>
+            <a:spLocks noGrp="1"/>
+          </p:cNvSpPr>
+          <p:nvPr>
+            <p:ph type="hdr" sz="quarter"/>
+          </p:nvPr>
+        </p:nvSpPr>
+        <p:spPr>
+          <a:xfrm>
+            <a:off x="0" y="0"/>
+            <a:ext cx="2971800" cy="458788"/>
+          </a:xfrm>
+          <a:prstGeom prst="rect">
+            <a:avLst/>
+          </a:prstGeom>
+        </p:spPr>
+        <p:txBody>
+          <a:bodyPr vert="horz" lIns="91440" tIns="45720" rIns="91440" bIns="45720" rtlCol="0"/>
+          <a:lstStyle>
+            <a:lvl1pPr algn="l">
+              <a:defRPr sz="1200"/>
+            </a:lvl1pPr>
+          </a:lstStyle>
+          <a:p>
+            <a:endParaRPr lang="en-US"/>
+          </a:p>
+        </p:txBody>
+      </p:sp>
+      <p:sp>
+        <p:nvSpPr>
+          <p:cNvPr id="3" name="Espaço Reservado para Data 2"/>
+          <p:cNvSpPr>
+            <a:spLocks noGrp="1"/>
+          </p:cNvSpPr>
+          <p:nvPr>
+            <p:ph type="dt" idx="1"/>
+          </p:nvPr>
+        </p:nvSpPr>
+        <p:spPr>
+          <a:xfrm>
+            <a:off x="3884613" y="0"/>
+            <a:ext cx="2971800" cy="458788"/>
+          </a:xfrm>
+          <a:prstGeom prst="rect">
+            <a:avLst/>
+          </a:prstGeom>
+        </p:spPr>
+        <p:txBody>
+          <a:bodyPr vert="horz" lIns="91440" tIns="45720" rIns="91440" bIns="45720" rtlCol="0"/>
+          <a:lstStyle>
+            <a:lvl1pPr algn="r">
+              <a:defRPr sz="1200"/>
+            </a:lvl1pPr>
+          </a:lstStyle>
+          <a:p>
+            <a:fld id="{4A717570-273D-4DD4-9AF4-5EBE2B89A15E}" type="datetimeFigureOut">
+              <a:rPr lang="en-US" smtClean="0"/>
+              <a:t>11/6/2019</a:t>
+            </a:fld>
+            <a:endParaRPr lang="en-US"/>
+          </a:p>
+        </p:txBody>
+      </p:sp>
+      <p:sp>
+        <p:nvSpPr>
+          <p:cNvPr id="4" name="Espaço Reservado para Imagem de Slide 3"/>
+          <p:cNvSpPr>
+            <a:spLocks noGrp="1" noRot="1" noChangeAspect="1"/>
+          </p:cNvSpPr>
+          <p:nvPr>
+            <p:ph type="sldImg" idx="2"/>
+          </p:nvPr>
+        </p:nvSpPr>
+        <p:spPr>
+          <a:xfrm>
+            <a:off x="1371600" y="1143000"/>
+            <a:ext cx="4114800" cy="3086100"/>
+          </a:xfrm>
+          <a:prstGeom prst="rect">
+            <a:avLst/>
+          </a:prstGeom>
+          <a:noFill/>
+          <a:ln w="12700">
+            <a:solidFill>
+              <a:prstClr val="black"/>
+            </a:solidFill>
+          </a:ln>
+        </p:spPr>
+        <p:txBody>
+          <a:bodyPr vert="horz" lIns="91440" tIns="45720" rIns="91440" bIns="45720" rtlCol="0" anchor="ctr"/>
+          <a:lstStyle/>
+          <a:p>
+            <a:endParaRPr lang="en-US"/>
+          </a:p>
+        </p:txBody>
+      </p:sp>
+      <p:sp>
+        <p:nvSpPr>
+          <p:cNvPr id="5" name="Espaço Reservado para Anotações 4"/>
+          <p:cNvSpPr>
+            <a:spLocks noGrp="1"/>
+          </p:cNvSpPr>
+          <p:nvPr>
+            <p:ph type="body" sz="quarter" idx="3"/>
+          </p:nvPr>
+        </p:nvSpPr>
+        <p:spPr>
+          <a:xfrm>
+            <a:off x="685800" y="4400550"/>
+            <a:ext cx="5486400" cy="3600450"/>
+          </a:xfrm>
+          <a:prstGeom prst="rect">
+            <a:avLst/>
+          </a:prstGeom>
+        </p:spPr>
+        <p:txBody>
+          <a:bodyPr vert="horz" lIns="91440" tIns="45720" rIns="91440" bIns="45720" rtlCol="0"/>
+          <a:lstStyle/>
+          <a:p>
+            <a:pPr lvl="0"/>
+            <a:r>
+              <a:rPr lang="pt-BR" smtClean="0"/>
+              <a:t>Editar estilos de texto Mestre</a:t>
+            </a:r>
+          </a:p>
+          <a:p>
+            <a:pPr lvl="1"/>
+            <a:r>
+              <a:rPr lang="pt-BR" smtClean="0"/>
+              <a:t>Segundo nível</a:t>
+            </a:r>
+          </a:p>
+          <a:p>
+            <a:pPr lvl="2"/>
+            <a:r>
+              <a:rPr lang="pt-BR" smtClean="0"/>
+              <a:t>Terceiro nível</a:t>
+            </a:r>
+          </a:p>
+          <a:p>
+            <a:pPr lvl="3"/>
+            <a:r>
+              <a:rPr lang="pt-BR" smtClean="0"/>
+              <a:t>Quarto nível</a:t>
+            </a:r>
+          </a:p>
+          <a:p>
+            <a:pPr lvl="4"/>
+            <a:r>
+              <a:rPr lang="pt-BR" smtClean="0"/>
+              <a:t>Quinto nível</a:t>
+            </a:r>
+            <a:endParaRPr lang="en-US"/>
+          </a:p>
+        </p:txBody>
+      </p:sp>
+      <p:sp>
+        <p:nvSpPr>
+          <p:cNvPr id="6" name="Espaço Reservado para Rodapé 5"/>
+          <p:cNvSpPr>
+            <a:spLocks noGrp="1"/>
+          </p:cNvSpPr>
+          <p:nvPr>
+            <p:ph type="ftr" sz="quarter" idx="4"/>
+          </p:nvPr>
+        </p:nvSpPr>
+        <p:spPr>
+          <a:xfrm>
+            <a:off x="0" y="8685213"/>
+            <a:ext cx="2971800" cy="458787"/>
+          </a:xfrm>
+          <a:prstGeom prst="rect">
+            <a:avLst/>
+          </a:prstGeom>
+        </p:spPr>
+        <p:txBody>
+          <a:bodyPr vert="horz" lIns="91440" tIns="45720" rIns="91440" bIns="45720" rtlCol="0" anchor="b"/>
+          <a:lstStyle>
+            <a:lvl1pPr algn="l">
+              <a:defRPr sz="1200"/>
+            </a:lvl1pPr>
+          </a:lstStyle>
+          <a:p>
+            <a:endParaRPr lang="en-US"/>
+          </a:p>
+        </p:txBody>
+      </p:sp>
+      <p:sp>
+        <p:nvSpPr>
+          <p:cNvPr id="7" name="Espaço Reservado para Número de Slide 6"/>
+          <p:cNvSpPr>
+            <a:spLocks noGrp="1"/>
+          </p:cNvSpPr>
+          <p:nvPr>
+            <p:ph type="sldNum" sz="quarter" idx="5"/>
+          </p:nvPr>
+        </p:nvSpPr>
+        <p:spPr>
+          <a:xfrm>
+            <a:off x="3884613" y="8685213"/>
+            <a:ext cx="2971800" cy="458787"/>
+          </a:xfrm>
+          <a:prstGeom prst="rect">
+            <a:avLst/>
+          </a:prstGeom>
+        </p:spPr>
+        <p:txBody>
+          <a:bodyPr vert="horz" lIns="91440" tIns="45720" rIns="91440" bIns="45720" rtlCol="0" anchor="b"/>
+          <a:lstStyle>
+            <a:lvl1pPr algn="r">
+              <a:defRPr sz="1200"/>
+            </a:lvl1pPr>
+          </a:lstStyle>
+          <a:p>
+            <a:fld id="{6EE0BF57-7DD8-4CDB-841C-1D148E992035}" type="slidenum">
+              <a:rPr lang="en-US" smtClean="0"/>
+              <a:t>‹nº›</a:t>
+            </a:fld>
+            <a:endParaRPr lang="en-US"/>
+          </a:p>
+        </p:txBody>
+      </p:sp>
+    </p:spTree>
+    <p:extLst>
+      <p:ext uri="{BB962C8B-B14F-4D97-AF65-F5344CB8AC3E}">
+        <p14:creationId xmlns:p14="http://schemas.microsoft.com/office/powerpoint/2010/main" val="2790172637"/>
+      </p:ext>
+    </p:extLst>
+  </p:cSld>
+  <p:clrMap bg1="lt1" tx1="dk1" bg2="lt2" tx2="dk2" accent1="accent1" accent2="accent2" accent3="accent3" accent4="accent4" accent5="accent5" accent6="accent6" hlink="hlink" folHlink="folHlink"/>
+  <p:notesStyle>
+    <a:lvl1pPr marL="0" algn="l" defTabSz="914400" rtl="0" eaLnBrk="1" latinLnBrk="0" hangingPunct="1">
+      <a:defRPr sz="1200" kern="1200">
+        <a:solidFill>
+          <a:schemeClr val="tx1"/>
+        </a:solidFill>
+        <a:latin typeface="+mn-lt"/>
+        <a:ea typeface="+mn-ea"/>
+        <a:cs typeface="+mn-cs"/>
+      </a:defRPr>
+    </a:lvl1pPr>
+    <a:lvl2pPr marL="457200" algn="l" defTabSz="914400" rtl="0" eaLnBrk="1" latinLnBrk="0" hangingPunct="1">
+      <a:defRPr sz="1200" kern="1200">
+        <a:solidFill>
+          <a:schemeClr val="tx1"/>
+        </a:solidFill>
+        <a:latin typeface="+mn-lt"/>
+        <a:ea typeface="+mn-ea"/>
+        <a:cs typeface="+mn-cs"/>
+      </a:defRPr>
+    </a:lvl2pPr>
+    <a:lvl3pPr marL="914400" algn="l" defTabSz="914400" rtl="0" eaLnBrk="1" latinLnBrk="0" hangingPunct="1">
+      <a:defRPr sz="1200" kern="1200">
+        <a:solidFill>
+          <a:schemeClr val="tx1"/>
+        </a:solidFill>
+        <a:latin typeface="+mn-lt"/>
+        <a:ea typeface="+mn-ea"/>
+        <a:cs typeface="+mn-cs"/>
+      </a:defRPr>
+    </a:lvl3pPr>
+    <a:lvl4pPr marL="1371600" algn="l" defTabSz="914400" rtl="0" eaLnBrk="1" latinLnBrk="0" hangingPunct="1">
+      <a:defRPr sz="1200" kern="1200">
+        <a:solidFill>
+          <a:schemeClr val="tx1"/>
+        </a:solidFill>
+        <a:latin typeface="+mn-lt"/>
+        <a:ea typeface="+mn-ea"/>
+        <a:cs typeface="+mn-cs"/>
+      </a:defRPr>
+    </a:lvl4pPr>
+    <a:lvl5pPr marL="1828800" algn="l" defTabSz="914400" rtl="0" eaLnBrk="1" latinLnBrk="0" hangingPunct="1">
+      <a:defRPr sz="1200" kern="1200">
+        <a:solidFill>
+          <a:schemeClr val="tx1"/>
+        </a:solidFill>
+        <a:latin typeface="+mn-lt"/>
+        <a:ea typeface="+mn-ea"/>
+        <a:cs typeface="+mn-cs"/>
+      </a:defRPr>
+    </a:lvl5pPr>
+    <a:lvl6pPr marL="2286000" algn="l" defTabSz="914400" rtl="0" eaLnBrk="1" latinLnBrk="0" hangingPunct="1">
+      <a:defRPr sz="1200" kern="1200">
+        <a:solidFill>
+          <a:schemeClr val="tx1"/>
+        </a:solidFill>
+        <a:latin typeface="+mn-lt"/>
+        <a:ea typeface="+mn-ea"/>
+        <a:cs typeface="+mn-cs"/>
+      </a:defRPr>
+    </a:lvl6pPr>
+    <a:lvl7pPr marL="2743200" algn="l" defTabSz="914400" rtl="0" eaLnBrk="1" latinLnBrk="0" hangingPunct="1">
+      <a:defRPr sz="1200" kern="1200">
+        <a:solidFill>
+          <a:schemeClr val="tx1"/>
+        </a:solidFill>
+        <a:latin typeface="+mn-lt"/>
+        <a:ea typeface="+mn-ea"/>
+        <a:cs typeface="+mn-cs"/>
+      </a:defRPr>
+    </a:lvl7pPr>
+    <a:lvl8pPr marL="3200400" algn="l" defTabSz="914400" rtl="0" eaLnBrk="1" latinLnBrk="0" hangingPunct="1">
+      <a:defRPr sz="1200" kern="1200">
+        <a:solidFill>
+          <a:schemeClr val="tx1"/>
+        </a:solidFill>
+        <a:latin typeface="+mn-lt"/>
+        <a:ea typeface="+mn-ea"/>
+        <a:cs typeface="+mn-cs"/>
+      </a:defRPr>
+    </a:lvl8pPr>
+    <a:lvl9pPr marL="3657600" algn="l" defTabSz="914400" rtl="0" eaLnBrk="1" latinLnBrk="0" hangingPunct="1">
+      <a:defRPr sz="1200" kern="1200">
+        <a:solidFill>
+          <a:schemeClr val="tx1"/>
+        </a:solidFill>
+        <a:latin typeface="+mn-lt"/>
+        <a:ea typeface="+mn-ea"/>
+        <a:cs typeface="+mn-cs"/>
+      </a:defRPr>
+    </a:lvl9pPr>
+  </p:notesStyle>
+</p:notesMaster>
+</file>
+
+<file path=ppt/notesSlides/notesSlide1.xml><?xml version="1.0" encoding="utf-8"?>
+<p:notes xmlns:a="http://schemas.openxmlformats.org/drawingml/2006/main" xmlns:r="http://schemas.openxmlformats.org/officeDocument/2006/relationships" xmlns:p="http://schemas.openxmlformats.org/presentationml/2006/main">
+  <p:cSld>
+    <p:spTree>
+      <p:nvGrpSpPr>
+        <p:cNvPr id="1" name=""/>
+        <p:cNvGrpSpPr/>
+        <p:nvPr/>
+      </p:nvGrpSpPr>
+      <p:grpSpPr>
+        <a:xfrm>
+          <a:off x="0" y="0"/>
+          <a:ext cx="0" cy="0"/>
+          <a:chOff x="0" y="0"/>
+          <a:chExt cx="0" cy="0"/>
+        </a:xfrm>
+      </p:grpSpPr>
+      <p:sp>
+        <p:nvSpPr>
+          <p:cNvPr id="2" name="Espaço Reservado para Imagem de Slide 1"/>
+          <p:cNvSpPr>
+            <a:spLocks noGrp="1" noRot="1" noChangeAspect="1"/>
+          </p:cNvSpPr>
+          <p:nvPr>
+            <p:ph type="sldImg"/>
+          </p:nvPr>
+        </p:nvSpPr>
+        <p:spPr/>
+      </p:sp>
+      <p:sp>
+        <p:nvSpPr>
+          <p:cNvPr id="3" name="Espaço Reservado para Anotações 2"/>
+          <p:cNvSpPr>
+            <a:spLocks noGrp="1"/>
+          </p:cNvSpPr>
+          <p:nvPr>
+            <p:ph type="body" idx="1"/>
+          </p:nvPr>
+        </p:nvSpPr>
+        <p:spPr/>
+        <p:txBody>
+          <a:bodyPr/>
+          <a:lstStyle/>
+          <a:p>
+            <a:endParaRPr lang="en-US" dirty="0"/>
+          </a:p>
+        </p:txBody>
+      </p:sp>
+      <p:sp>
+        <p:nvSpPr>
+          <p:cNvPr id="4" name="Espaço Reservado para Número de Slide 3"/>
+          <p:cNvSpPr>
+            <a:spLocks noGrp="1"/>
+          </p:cNvSpPr>
+          <p:nvPr>
+            <p:ph type="sldNum" sz="quarter" idx="10"/>
+          </p:nvPr>
+        </p:nvSpPr>
+        <p:spPr/>
+        <p:txBody>
+          <a:bodyPr/>
+          <a:lstStyle/>
+          <a:p>
+            <a:fld id="{6EE0BF57-7DD8-4CDB-841C-1D148E992035}" type="slidenum">
+              <a:rPr lang="en-US" smtClean="0"/>
+              <a:t>30</a:t>
+            </a:fld>
+            <a:endParaRPr lang="en-US"/>
+          </a:p>
+        </p:txBody>
+      </p:sp>
+    </p:spTree>
+    <p:extLst>
+      <p:ext uri="{BB962C8B-B14F-4D97-AF65-F5344CB8AC3E}">
+        <p14:creationId xmlns:p14="http://schemas.microsoft.com/office/powerpoint/2010/main" val="3481386919"/>
+      </p:ext>
+    </p:extLst>
+  </p:cSld>
+  <p:clrMapOvr>
+    <a:masterClrMapping/>
+  </p:clrMapOvr>
+</p:notes>
+</file>
+
+<file path=ppt/notesSlides/notesSlide2.xml><?xml version="1.0" encoding="utf-8"?>
+<p:notes xmlns:a="http://schemas.openxmlformats.org/drawingml/2006/main" xmlns:r="http://schemas.openxmlformats.org/officeDocument/2006/relationships" xmlns:p="http://schemas.openxmlformats.org/presentationml/2006/main">
+  <p:cSld>
+    <p:spTree>
+      <p:nvGrpSpPr>
+        <p:cNvPr id="1" name=""/>
+        <p:cNvGrpSpPr/>
+        <p:nvPr/>
+      </p:nvGrpSpPr>
+      <p:grpSpPr>
+        <a:xfrm>
+          <a:off x="0" y="0"/>
+          <a:ext cx="0" cy="0"/>
+          <a:chOff x="0" y="0"/>
+          <a:chExt cx="0" cy="0"/>
+        </a:xfrm>
+      </p:grpSpPr>
+      <p:sp>
+        <p:nvSpPr>
+          <p:cNvPr id="2" name="Espaço Reservado para Imagem de Slide 1"/>
+          <p:cNvSpPr>
+            <a:spLocks noGrp="1" noRot="1" noChangeAspect="1"/>
+          </p:cNvSpPr>
+          <p:nvPr>
+            <p:ph type="sldImg"/>
+          </p:nvPr>
+        </p:nvSpPr>
+        <p:spPr/>
+      </p:sp>
+      <p:sp>
+        <p:nvSpPr>
+          <p:cNvPr id="3" name="Espaço Reservado para Anotações 2"/>
+          <p:cNvSpPr>
+            <a:spLocks noGrp="1"/>
+          </p:cNvSpPr>
+          <p:nvPr>
+            <p:ph type="body" idx="1"/>
+          </p:nvPr>
+        </p:nvSpPr>
+        <p:spPr/>
+        <p:txBody>
+          <a:bodyPr/>
+          <a:lstStyle/>
+          <a:p>
+            <a:endParaRPr lang="en-US" dirty="0"/>
+          </a:p>
+        </p:txBody>
+      </p:sp>
+      <p:sp>
+        <p:nvSpPr>
+          <p:cNvPr id="4" name="Espaço Reservado para Número de Slide 3"/>
+          <p:cNvSpPr>
+            <a:spLocks noGrp="1"/>
+          </p:cNvSpPr>
+          <p:nvPr>
+            <p:ph type="sldNum" sz="quarter" idx="10"/>
+          </p:nvPr>
+        </p:nvSpPr>
+        <p:spPr/>
+        <p:txBody>
+          <a:bodyPr/>
+          <a:lstStyle/>
+          <a:p>
+            <a:fld id="{6EE0BF57-7DD8-4CDB-841C-1D148E992035}" type="slidenum">
+              <a:rPr lang="en-US" smtClean="0"/>
+              <a:t>31</a:t>
+            </a:fld>
+            <a:endParaRPr lang="en-US"/>
+          </a:p>
+        </p:txBody>
+      </p:sp>
+    </p:spTree>
+    <p:extLst>
+      <p:ext uri="{BB962C8B-B14F-4D97-AF65-F5344CB8AC3E}">
+        <p14:creationId xmlns:p14="http://schemas.microsoft.com/office/powerpoint/2010/main" val="3092308183"/>
+      </p:ext>
+    </p:extLst>
+  </p:cSld>
+  <p:clrMapOvr>
+    <a:masterClrMapping/>
+  </p:clrMapOvr>
+</p:notes>
+</file>
+
+<file path=ppt/notesSlides/notesSlide3.xml><?xml version="1.0" encoding="utf-8"?>
+<p:notes xmlns:a="http://schemas.openxmlformats.org/drawingml/2006/main" xmlns:r="http://schemas.openxmlformats.org/officeDocument/2006/relationships" xmlns:p="http://schemas.openxmlformats.org/presentationml/2006/main">
+  <p:cSld>
+    <p:spTree>
+      <p:nvGrpSpPr>
+        <p:cNvPr id="1" name=""/>
+        <p:cNvGrpSpPr/>
+        <p:nvPr/>
+      </p:nvGrpSpPr>
+      <p:grpSpPr>
+        <a:xfrm>
+          <a:off x="0" y="0"/>
+          <a:ext cx="0" cy="0"/>
+          <a:chOff x="0" y="0"/>
+          <a:chExt cx="0" cy="0"/>
+        </a:xfrm>
+      </p:grpSpPr>
+      <p:sp>
+        <p:nvSpPr>
+          <p:cNvPr id="2" name="Espaço Reservado para Imagem de Slide 1"/>
+          <p:cNvSpPr>
+            <a:spLocks noGrp="1" noRot="1" noChangeAspect="1"/>
+          </p:cNvSpPr>
+          <p:nvPr>
+            <p:ph type="sldImg"/>
+          </p:nvPr>
+        </p:nvSpPr>
+        <p:spPr/>
+      </p:sp>
+      <p:sp>
+        <p:nvSpPr>
+          <p:cNvPr id="3" name="Espaço Reservado para Anotações 2"/>
+          <p:cNvSpPr>
+            <a:spLocks noGrp="1"/>
+          </p:cNvSpPr>
+          <p:nvPr>
+            <p:ph type="body" idx="1"/>
+          </p:nvPr>
+        </p:nvSpPr>
+        <p:spPr/>
+        <p:txBody>
+          <a:bodyPr/>
+          <a:lstStyle/>
+          <a:p>
+            <a:endParaRPr lang="en-US" dirty="0"/>
+          </a:p>
+        </p:txBody>
+      </p:sp>
+      <p:sp>
+        <p:nvSpPr>
+          <p:cNvPr id="4" name="Espaço Reservado para Número de Slide 3"/>
+          <p:cNvSpPr>
+            <a:spLocks noGrp="1"/>
+          </p:cNvSpPr>
+          <p:nvPr>
+            <p:ph type="sldNum" sz="quarter" idx="10"/>
+          </p:nvPr>
+        </p:nvSpPr>
+        <p:spPr/>
+        <p:txBody>
+          <a:bodyPr/>
+          <a:lstStyle/>
+          <a:p>
+            <a:fld id="{6EE0BF57-7DD8-4CDB-841C-1D148E992035}" type="slidenum">
+              <a:rPr lang="en-US" smtClean="0"/>
+              <a:t>32</a:t>
+            </a:fld>
+            <a:endParaRPr lang="en-US"/>
+          </a:p>
+        </p:txBody>
+      </p:sp>
+    </p:spTree>
+    <p:extLst>
+      <p:ext uri="{BB962C8B-B14F-4D97-AF65-F5344CB8AC3E}">
+        <p14:creationId xmlns:p14="http://schemas.microsoft.com/office/powerpoint/2010/main" val="40246166"/>
+      </p:ext>
+    </p:extLst>
+  </p:cSld>
+  <p:clrMapOvr>
+    <a:masterClrMapping/>
+  </p:clrMapOvr>
+</p:notes>
 </file>
 
 <file path=ppt/slideLayouts/slideLayout1.xml><?xml version="1.0" encoding="utf-8"?>
@@ -261,9 +896,7 @@
         <p:spPr/>
         <p:txBody>
           <a:bodyPr/>
-          <a:lstStyle>
-            <a:extLst/>
-          </a:lstStyle>
+          <a:lstStyle/>
           <a:p>
             <a:fld id="{3058B918-5D89-4DBD-A98F-3B3248D2E4B2}" type="datetimeFigureOut">
               <a:rPr lang="pt-BR" smtClean="0"/>
@@ -286,9 +919,7 @@
         <p:spPr/>
         <p:txBody>
           <a:bodyPr/>
-          <a:lstStyle>
-            <a:extLst/>
-          </a:lstStyle>
+          <a:lstStyle/>
           <a:p>
             <a:endParaRPr lang="pt-BR"/>
           </a:p>
@@ -307,9 +938,7 @@
         <p:spPr/>
         <p:txBody>
           <a:bodyPr/>
-          <a:lstStyle>
-            <a:extLst/>
-          </a:lstStyle>
+          <a:lstStyle/>
           <a:p>
             <a:fld id="{EBD0CCFB-F8F3-4514-904F-C63AB64513CE}" type="slidenum">
               <a:rPr lang="pt-BR" smtClean="0"/>
@@ -397,9 +1026,7 @@
         </p:style>
         <p:txBody>
           <a:bodyPr anchor="ctr"/>
-          <a:lstStyle>
-            <a:extLst/>
-          </a:lstStyle>
+          <a:lstStyle/>
           <a:p>
             <a:pPr algn="ctr" eaLnBrk="1" latinLnBrk="0" hangingPunct="1"/>
             <a:endParaRPr kumimoji="0" lang="en-US"/>
@@ -448,9 +1075,7 @@
         </p:style>
         <p:txBody>
           <a:bodyPr anchor="ctr"/>
-          <a:lstStyle>
-            <a:extLst/>
-          </a:lstStyle>
+          <a:lstStyle/>
           <a:p>
             <a:pPr algn="ctr" eaLnBrk="1" latinLnBrk="0" hangingPunct="1"/>
             <a:endParaRPr kumimoji="0" lang="en-US"/>
@@ -495,9 +1120,7 @@
         <p:spPr/>
         <p:txBody>
           <a:bodyPr/>
-          <a:lstStyle>
-            <a:extLst/>
-          </a:lstStyle>
+          <a:lstStyle/>
           <a:p>
             <a:r>
               <a:rPr kumimoji="0" lang="pt-BR" smtClean="0"/>
@@ -520,9 +1143,7 @@
         <p:spPr/>
         <p:txBody>
           <a:bodyPr vert="eaVert"/>
-          <a:lstStyle>
-            <a:extLst/>
-          </a:lstStyle>
+          <a:lstStyle/>
           <a:p>
             <a:pPr lvl="0" eaLnBrk="1" latinLnBrk="0" hangingPunct="1"/>
             <a:r>
@@ -574,9 +1195,7 @@
         <p:spPr/>
         <p:txBody>
           <a:bodyPr/>
-          <a:lstStyle>
-            <a:extLst/>
-          </a:lstStyle>
+          <a:lstStyle/>
           <a:p>
             <a:fld id="{3058B918-5D89-4DBD-A98F-3B3248D2E4B2}" type="datetimeFigureOut">
               <a:rPr lang="pt-BR" smtClean="0"/>
@@ -599,9 +1218,7 @@
         <p:spPr/>
         <p:txBody>
           <a:bodyPr/>
-          <a:lstStyle>
-            <a:extLst/>
-          </a:lstStyle>
+          <a:lstStyle/>
           <a:p>
             <a:endParaRPr lang="pt-BR"/>
           </a:p>
@@ -620,9 +1237,7 @@
         <p:spPr/>
         <p:txBody>
           <a:bodyPr/>
-          <a:lstStyle>
-            <a:extLst/>
-          </a:lstStyle>
+          <a:lstStyle/>
           <a:p>
             <a:fld id="{EBD0CCFB-F8F3-4514-904F-C63AB64513CE}" type="slidenum">
               <a:rPr lang="pt-BR" smtClean="0"/>
@@ -675,9 +1290,7 @@
         </p:spPr>
         <p:txBody>
           <a:bodyPr vert="eaVert"/>
-          <a:lstStyle>
-            <a:extLst/>
-          </a:lstStyle>
+          <a:lstStyle/>
           <a:p>
             <a:r>
               <a:rPr kumimoji="0" lang="pt-BR" smtClean="0"/>
@@ -705,9 +1318,7 @@
         </p:spPr>
         <p:txBody>
           <a:bodyPr vert="eaVert"/>
-          <a:lstStyle>
-            <a:extLst/>
-          </a:lstStyle>
+          <a:lstStyle/>
           <a:p>
             <a:pPr lvl="0" eaLnBrk="1" latinLnBrk="0" hangingPunct="1"/>
             <a:r>
@@ -759,9 +1370,7 @@
         <p:spPr/>
         <p:txBody>
           <a:bodyPr/>
-          <a:lstStyle>
-            <a:extLst/>
-          </a:lstStyle>
+          <a:lstStyle/>
           <a:p>
             <a:fld id="{3058B918-5D89-4DBD-A98F-3B3248D2E4B2}" type="datetimeFigureOut">
               <a:rPr lang="pt-BR" smtClean="0"/>
@@ -784,9 +1393,7 @@
         <p:spPr/>
         <p:txBody>
           <a:bodyPr/>
-          <a:lstStyle>
-            <a:extLst/>
-          </a:lstStyle>
+          <a:lstStyle/>
           <a:p>
             <a:endParaRPr lang="pt-BR"/>
           </a:p>
@@ -805,9 +1412,7 @@
         <p:spPr/>
         <p:txBody>
           <a:bodyPr/>
-          <a:lstStyle>
-            <a:extLst/>
-          </a:lstStyle>
+          <a:lstStyle/>
           <a:p>
             <a:fld id="{EBD0CCFB-F8F3-4514-904F-C63AB64513CE}" type="slidenum">
               <a:rPr lang="pt-BR" smtClean="0"/>
@@ -855,9 +1460,7 @@
         <p:spPr/>
         <p:txBody>
           <a:bodyPr/>
-          <a:lstStyle>
-            <a:extLst/>
-          </a:lstStyle>
+          <a:lstStyle/>
           <a:p>
             <a:r>
               <a:rPr kumimoji="0" lang="pt-BR" smtClean="0"/>
@@ -880,9 +1483,7 @@
         <p:spPr/>
         <p:txBody>
           <a:bodyPr/>
-          <a:lstStyle>
-            <a:extLst/>
-          </a:lstStyle>
+          <a:lstStyle/>
           <a:p>
             <a:pPr lvl="0" eaLnBrk="1" latinLnBrk="0" hangingPunct="1"/>
             <a:r>
@@ -934,9 +1535,7 @@
         <p:spPr/>
         <p:txBody>
           <a:bodyPr/>
-          <a:lstStyle>
-            <a:extLst/>
-          </a:lstStyle>
+          <a:lstStyle/>
           <a:p>
             <a:fld id="{3058B918-5D89-4DBD-A98F-3B3248D2E4B2}" type="datetimeFigureOut">
               <a:rPr lang="pt-BR" smtClean="0"/>
@@ -959,9 +1558,7 @@
         <p:spPr/>
         <p:txBody>
           <a:bodyPr/>
-          <a:lstStyle>
-            <a:extLst/>
-          </a:lstStyle>
+          <a:lstStyle/>
           <a:p>
             <a:endParaRPr lang="pt-BR"/>
           </a:p>
@@ -980,9 +1577,7 @@
         <p:spPr/>
         <p:txBody>
           <a:bodyPr/>
-          <a:lstStyle>
-            <a:extLst/>
-          </a:lstStyle>
+          <a:lstStyle/>
           <a:p>
             <a:fld id="{EBD0CCFB-F8F3-4514-904F-C63AB64513CE}" type="slidenum">
               <a:rPr lang="pt-BR" smtClean="0"/>
@@ -1056,9 +1651,7 @@
         </p:style>
         <p:txBody>
           <a:bodyPr anchor="ctr"/>
-          <a:lstStyle>
-            <a:extLst/>
-          </a:lstStyle>
+          <a:lstStyle/>
           <a:p>
             <a:pPr algn="ctr" eaLnBrk="1" latinLnBrk="0" hangingPunct="1"/>
             <a:endParaRPr kumimoji="0" lang="en-US"/>
@@ -1202,9 +1795,7 @@
         <p:spPr/>
         <p:txBody>
           <a:bodyPr/>
-          <a:lstStyle>
-            <a:extLst/>
-          </a:lstStyle>
+          <a:lstStyle/>
           <a:p>
             <a:fld id="{3058B918-5D89-4DBD-A98F-3B3248D2E4B2}" type="datetimeFigureOut">
               <a:rPr lang="pt-BR" smtClean="0"/>
@@ -1227,9 +1818,7 @@
         <p:spPr/>
         <p:txBody>
           <a:bodyPr/>
-          <a:lstStyle>
-            <a:extLst/>
-          </a:lstStyle>
+          <a:lstStyle/>
           <a:p>
             <a:endParaRPr lang="pt-BR"/>
           </a:p>
@@ -1248,9 +1837,7 @@
         <p:spPr/>
         <p:txBody>
           <a:bodyPr/>
-          <a:lstStyle>
-            <a:extLst/>
-          </a:lstStyle>
+          <a:lstStyle/>
           <a:p>
             <a:fld id="{EBD0CCFB-F8F3-4514-904F-C63AB64513CE}" type="slidenum">
               <a:rPr lang="pt-BR" smtClean="0"/>
@@ -1307,9 +1894,7 @@
         </p:style>
         <p:txBody>
           <a:bodyPr anchor="ctr"/>
-          <a:lstStyle>
-            <a:extLst/>
-          </a:lstStyle>
+          <a:lstStyle/>
           <a:p>
             <a:pPr algn="ctr" eaLnBrk="1" latinLnBrk="0" hangingPunct="1"/>
             <a:endParaRPr kumimoji="0" lang="en-US"/>
@@ -1394,9 +1979,7 @@
         </p:style>
         <p:txBody>
           <a:bodyPr anchor="ctr"/>
-          <a:lstStyle>
-            <a:extLst/>
-          </a:lstStyle>
+          <a:lstStyle/>
           <a:p>
             <a:pPr algn="ctr" eaLnBrk="1" latinLnBrk="0" hangingPunct="1"/>
             <a:endParaRPr kumimoji="0" lang="en-US"/>
@@ -1445,9 +2028,7 @@
         </p:style>
         <p:txBody>
           <a:bodyPr anchor="ctr"/>
-          <a:lstStyle>
-            <a:extLst/>
-          </a:lstStyle>
+          <a:lstStyle/>
           <a:p>
             <a:pPr algn="ctr" eaLnBrk="1" latinLnBrk="0" hangingPunct="1"/>
             <a:endParaRPr kumimoji="0" lang="en-US"/>
@@ -1497,9 +2078,7 @@
         </p:spPr>
         <p:txBody>
           <a:bodyPr/>
-          <a:lstStyle>
-            <a:extLst/>
-          </a:lstStyle>
+          <a:lstStyle/>
           <a:p>
             <a:r>
               <a:rPr kumimoji="0" lang="pt-BR" smtClean="0"/>
@@ -1670,9 +2249,7 @@
         <p:spPr/>
         <p:txBody>
           <a:bodyPr/>
-          <a:lstStyle>
-            <a:extLst/>
-          </a:lstStyle>
+          <a:lstStyle/>
           <a:p>
             <a:fld id="{3058B918-5D89-4DBD-A98F-3B3248D2E4B2}" type="datetimeFigureOut">
               <a:rPr lang="pt-BR" smtClean="0"/>
@@ -1695,9 +2272,7 @@
         <p:spPr/>
         <p:txBody>
           <a:bodyPr/>
-          <a:lstStyle>
-            <a:extLst/>
-          </a:lstStyle>
+          <a:lstStyle/>
           <a:p>
             <a:endParaRPr lang="pt-BR"/>
           </a:p>
@@ -1716,9 +2291,7 @@
         <p:spPr/>
         <p:txBody>
           <a:bodyPr/>
-          <a:lstStyle>
-            <a:extLst/>
-          </a:lstStyle>
+          <a:lstStyle/>
           <a:p>
             <a:fld id="{EBD0CCFB-F8F3-4514-904F-C63AB64513CE}" type="slidenum">
               <a:rPr lang="pt-BR" smtClean="0"/>
@@ -2159,9 +2732,7 @@
         <p:spPr/>
         <p:txBody>
           <a:bodyPr/>
-          <a:lstStyle>
-            <a:extLst/>
-          </a:lstStyle>
+          <a:lstStyle/>
           <a:p>
             <a:fld id="{3058B918-5D89-4DBD-A98F-3B3248D2E4B2}" type="datetimeFigureOut">
               <a:rPr lang="pt-BR" smtClean="0"/>
@@ -2184,9 +2755,7 @@
         <p:spPr/>
         <p:txBody>
           <a:bodyPr/>
-          <a:lstStyle>
-            <a:extLst/>
-          </a:lstStyle>
+          <a:lstStyle/>
           <a:p>
             <a:endParaRPr lang="pt-BR"/>
           </a:p>
@@ -2205,9 +2774,7 @@
         <p:spPr/>
         <p:txBody>
           <a:bodyPr/>
-          <a:lstStyle>
-            <a:extLst/>
-          </a:lstStyle>
+          <a:lstStyle/>
           <a:p>
             <a:fld id="{EBD0CCFB-F8F3-4514-904F-C63AB64513CE}" type="slidenum">
               <a:rPr lang="pt-BR" smtClean="0"/>
@@ -2260,9 +2827,7 @@
         </p:spPr>
         <p:txBody>
           <a:bodyPr anchor="ctr"/>
-          <a:lstStyle>
-            <a:extLst/>
-          </a:lstStyle>
+          <a:lstStyle/>
           <a:p>
             <a:r>
               <a:rPr kumimoji="0" lang="pt-BR" smtClean="0"/>
@@ -2285,9 +2850,7 @@
         <p:spPr/>
         <p:txBody>
           <a:bodyPr/>
-          <a:lstStyle>
-            <a:extLst/>
-          </a:lstStyle>
+          <a:lstStyle/>
           <a:p>
             <a:fld id="{3058B918-5D89-4DBD-A98F-3B3248D2E4B2}" type="datetimeFigureOut">
               <a:rPr lang="pt-BR" smtClean="0"/>
@@ -2310,9 +2873,7 @@
         <p:spPr/>
         <p:txBody>
           <a:bodyPr/>
-          <a:lstStyle>
-            <a:extLst/>
-          </a:lstStyle>
+          <a:lstStyle/>
           <a:p>
             <a:endParaRPr lang="pt-BR"/>
           </a:p>
@@ -2331,9 +2892,7 @@
         <p:spPr/>
         <p:txBody>
           <a:bodyPr/>
-          <a:lstStyle>
-            <a:extLst/>
-          </a:lstStyle>
+          <a:lstStyle/>
           <a:p>
             <a:fld id="{EBD0CCFB-F8F3-4514-904F-C63AB64513CE}" type="slidenum">
               <a:rPr lang="pt-BR" smtClean="0"/>
@@ -2407,9 +2966,7 @@
         </p:style>
         <p:txBody>
           <a:bodyPr anchor="ctr"/>
-          <a:lstStyle>
-            <a:extLst/>
-          </a:lstStyle>
+          <a:lstStyle/>
           <a:p>
             <a:pPr algn="ctr" eaLnBrk="1" latinLnBrk="0" hangingPunct="1"/>
             <a:endParaRPr kumimoji="0" lang="en-US"/>
@@ -2429,9 +2986,7 @@
         <p:spPr/>
         <p:txBody>
           <a:bodyPr/>
-          <a:lstStyle>
-            <a:extLst/>
-          </a:lstStyle>
+          <a:lstStyle/>
           <a:p>
             <a:fld id="{3058B918-5D89-4DBD-A98F-3B3248D2E4B2}" type="datetimeFigureOut">
               <a:rPr lang="pt-BR" smtClean="0"/>
@@ -2454,9 +3009,7 @@
         <p:spPr/>
         <p:txBody>
           <a:bodyPr/>
-          <a:lstStyle>
-            <a:extLst/>
-          </a:lstStyle>
+          <a:lstStyle/>
           <a:p>
             <a:endParaRPr lang="pt-BR"/>
           </a:p>
@@ -2475,9 +3028,7 @@
         <p:spPr/>
         <p:txBody>
           <a:bodyPr/>
-          <a:lstStyle>
-            <a:extLst/>
-          </a:lstStyle>
+          <a:lstStyle/>
           <a:p>
             <a:fld id="{EBD0CCFB-F8F3-4514-904F-C63AB64513CE}" type="slidenum">
               <a:rPr lang="pt-BR" smtClean="0"/>
@@ -2534,9 +3085,7 @@
         </p:style>
         <p:txBody>
           <a:bodyPr anchor="ctr"/>
-          <a:lstStyle>
-            <a:extLst/>
-          </a:lstStyle>
+          <a:lstStyle/>
           <a:p>
             <a:pPr algn="ctr" eaLnBrk="1" latinLnBrk="0" hangingPunct="1"/>
             <a:endParaRPr kumimoji="0" lang="en-US"/>
@@ -2751,9 +3300,7 @@
         <p:spPr/>
         <p:txBody>
           <a:bodyPr/>
-          <a:lstStyle>
-            <a:extLst/>
-          </a:lstStyle>
+          <a:lstStyle/>
           <a:p>
             <a:fld id="{3058B918-5D89-4DBD-A98F-3B3248D2E4B2}" type="datetimeFigureOut">
               <a:rPr lang="pt-BR" smtClean="0"/>
@@ -2776,9 +3323,7 @@
         <p:spPr/>
         <p:txBody>
           <a:bodyPr/>
-          <a:lstStyle>
-            <a:extLst/>
-          </a:lstStyle>
+          <a:lstStyle/>
           <a:p>
             <a:endParaRPr lang="pt-BR"/>
           </a:p>
@@ -2797,9 +3342,7 @@
         <p:spPr/>
         <p:txBody>
           <a:bodyPr/>
-          <a:lstStyle>
-            <a:extLst/>
-          </a:lstStyle>
+          <a:lstStyle/>
           <a:p>
             <a:fld id="{EBD0CCFB-F8F3-4514-904F-C63AB64513CE}" type="slidenum">
               <a:rPr lang="pt-BR" smtClean="0"/>
@@ -2885,9 +3428,7 @@
         <p:spPr/>
         <p:txBody>
           <a:bodyPr/>
-          <a:lstStyle>
-            <a:extLst/>
-          </a:lstStyle>
+          <a:lstStyle/>
           <a:p>
             <a:fld id="{3058B918-5D89-4DBD-A98F-3B3248D2E4B2}" type="datetimeFigureOut">
               <a:rPr lang="pt-BR" smtClean="0"/>
@@ -2910,9 +3451,7 @@
         <p:spPr/>
         <p:txBody>
           <a:bodyPr/>
-          <a:lstStyle>
-            <a:extLst/>
-          </a:lstStyle>
+          <a:lstStyle/>
           <a:p>
             <a:endParaRPr lang="pt-BR"/>
           </a:p>
@@ -2931,9 +3470,7 @@
         <p:spPr/>
         <p:txBody>
           <a:bodyPr/>
-          <a:lstStyle>
-            <a:extLst/>
-          </a:lstStyle>
+          <a:lstStyle/>
           <a:p>
             <a:fld id="{EBD0CCFB-F8F3-4514-904F-C63AB64513CE}" type="slidenum">
               <a:rPr lang="pt-BR" smtClean="0"/>
@@ -2990,9 +3527,7 @@
           <a:bodyPr lIns="91440" tIns="274320" rtlCol="0" anchor="t">
             <a:normAutofit/>
           </a:bodyPr>
-          <a:lstStyle>
-            <a:extLst/>
-          </a:lstStyle>
+          <a:lstStyle/>
           <a:p>
             <a:pPr marL="0" indent="-283464" algn="l" rtl="0" eaLnBrk="1" latinLnBrk="0" hangingPunct="1">
               <a:lnSpc>
@@ -3120,9 +3655,7 @@
         </p:style>
         <p:txBody>
           <a:bodyPr anchor="ctr"/>
-          <a:lstStyle>
-            <a:extLst/>
-          </a:lstStyle>
+          <a:lstStyle/>
           <a:p>
             <a:pPr algn="ctr" eaLnBrk="1" latinLnBrk="0" hangingPunct="1"/>
             <a:endParaRPr kumimoji="0" lang="en-US"/>
@@ -3180,9 +3713,7 @@
         </p:style>
         <p:txBody>
           <a:bodyPr anchor="ctr"/>
-          <a:lstStyle>
-            <a:extLst/>
-          </a:lstStyle>
+          <a:lstStyle/>
           <a:p>
             <a:pPr algn="ctr" eaLnBrk="1" latinLnBrk="0" hangingPunct="1"/>
             <a:endParaRPr kumimoji="0" lang="en-US" dirty="0"/>
@@ -3327,9 +3858,7 @@
         </p:style>
         <p:txBody>
           <a:bodyPr anchor="ctr"/>
-          <a:lstStyle>
-            <a:extLst/>
-          </a:lstStyle>
+          <a:lstStyle/>
           <a:p>
             <a:pPr algn="ctr" eaLnBrk="1" latinLnBrk="0" hangingPunct="1"/>
             <a:endParaRPr kumimoji="0" lang="en-US"/>
@@ -3387,9 +3916,7 @@
         </p:style>
         <p:txBody>
           <a:bodyPr anchor="ctr"/>
-          <a:lstStyle>
-            <a:extLst/>
-          </a:lstStyle>
+          <a:lstStyle/>
           <a:p>
             <a:pPr algn="ctr" eaLnBrk="1" latinLnBrk="0" hangingPunct="1"/>
             <a:endParaRPr kumimoji="0" lang="en-US"/>
@@ -3479,9 +4006,7 @@
         </p:style>
         <p:txBody>
           <a:bodyPr anchor="ctr"/>
-          <a:lstStyle>
-            <a:extLst/>
-          </a:lstStyle>
+          <a:lstStyle/>
           <a:p>
             <a:pPr algn="ctr" eaLnBrk="1" latinLnBrk="0" hangingPunct="1"/>
             <a:endParaRPr kumimoji="0" lang="en-US"/>
@@ -3527,9 +4052,7 @@
         </p:style>
         <p:txBody>
           <a:bodyPr anchor="ctr"/>
-          <a:lstStyle>
-            <a:extLst/>
-          </a:lstStyle>
+          <a:lstStyle/>
           <a:p>
             <a:pPr algn="ctr" eaLnBrk="1" latinLnBrk="0" hangingPunct="1"/>
             <a:endParaRPr kumimoji="0" lang="en-US"/>
@@ -3559,9 +4082,7 @@
           <a:bodyPr anchor="ctr">
             <a:normAutofit/>
           </a:bodyPr>
-          <a:lstStyle>
-            <a:extLst/>
-          </a:lstStyle>
+          <a:lstStyle/>
           <a:p>
             <a:r>
               <a:rPr kumimoji="0" lang="pt-BR" smtClean="0"/>
@@ -3594,9 +4115,7 @@
           <a:bodyPr>
             <a:normAutofit/>
           </a:bodyPr>
-          <a:lstStyle>
-            <a:extLst/>
-          </a:lstStyle>
+          <a:lstStyle/>
           <a:p>
             <a:pPr lvl="0" eaLnBrk="1" latinLnBrk="0" hangingPunct="1"/>
             <a:r>
@@ -3809,9 +4328,7 @@
         </p:style>
         <p:txBody>
           <a:bodyPr anchor="ctr"/>
-          <a:lstStyle>
-            <a:extLst/>
-          </a:lstStyle>
+          <a:lstStyle/>
           <a:p>
             <a:pPr algn="ctr" eaLnBrk="1" latinLnBrk="0" hangingPunct="1"/>
             <a:endParaRPr kumimoji="0" lang="en-US"/>
@@ -4180,22 +4697,68 @@
         </p:nvSpPr>
         <p:spPr>
           <a:xfrm>
-            <a:off x="1432560" y="359898"/>
-            <a:ext cx="6163776" cy="3717174"/>
+            <a:off x="1691680" y="3212976"/>
+            <a:ext cx="6163776" cy="864096"/>
           </a:xfrm>
         </p:spPr>
         <p:txBody>
           <a:bodyPr>
-            <a:normAutofit/>
+            <a:normAutofit fontScale="90000"/>
           </a:bodyPr>
           <a:lstStyle/>
           <a:p>
             <a:pPr algn="ctr"/>
             <a:r>
               <a:rPr lang="pt-BR" sz="6000" dirty="0" smtClean="0"/>
-              <a:t>Família ISO 9000</a:t>
+              <a:t>Família ISO </a:t>
+            </a:r>
+            <a:r>
+              <a:rPr lang="pt-BR" sz="6000" dirty="0" smtClean="0"/>
+              <a:t>9000</a:t>
             </a:r>
             <a:endParaRPr lang="pt-BR" sz="6000" dirty="0"/>
+          </a:p>
+        </p:txBody>
+      </p:sp>
+      <p:sp>
+        <p:nvSpPr>
+          <p:cNvPr id="3" name="CaixaDeTexto 2"/>
+          <p:cNvSpPr txBox="1"/>
+          <p:nvPr/>
+        </p:nvSpPr>
+        <p:spPr>
+          <a:xfrm>
+            <a:off x="1353188" y="5661248"/>
+            <a:ext cx="6840760" cy="923330"/>
+          </a:xfrm>
+          <a:prstGeom prst="rect">
+            <a:avLst/>
+          </a:prstGeom>
+          <a:noFill/>
+        </p:spPr>
+        <p:txBody>
+          <a:bodyPr wrap="square" rtlCol="0">
+            <a:spAutoFit/>
+          </a:bodyPr>
+          <a:lstStyle/>
+          <a:p>
+            <a:r>
+              <a:rPr lang="pt-BR" dirty="0" smtClean="0"/>
+              <a:t>Daniel Gads Melo Sousa – N948EJ-4</a:t>
+            </a:r>
+          </a:p>
+          <a:p>
+            <a:r>
+              <a:rPr lang="pt-BR" dirty="0" smtClean="0"/>
+              <a:t>Gabriel de Brito Silva – D0799F-3</a:t>
+            </a:r>
+          </a:p>
+          <a:p>
+            <a:r>
+              <a:rPr lang="pt-BR" dirty="0" smtClean="0"/>
+              <a:t>Marcelo Antônio da Silva Júnior – N743EC-6 </a:t>
+            </a:r>
+            <a:endParaRPr lang="en-US" dirty="0"/>
           </a:p>
         </p:txBody>
       </p:sp>
@@ -4269,7 +4832,7 @@
         </p:nvGraphicFramePr>
         <p:xfrm>
           <a:off x="2195737" y="1587246"/>
-          <a:ext cx="5840189" cy="4508564"/>
+          <a:ext cx="5840189" cy="4714494"/>
         </p:xfrm>
         <a:graphic>
           <a:graphicData uri="http://schemas.openxmlformats.org/drawingml/2006/table">
@@ -4278,11 +4841,41 @@
                 <a:tableStyleId>{5C22544A-7EE6-4342-B048-85BDC9FD1C3A}</a:tableStyleId>
               </a:tblPr>
               <a:tblGrid>
-                <a:gridCol w="567784"/>
-                <a:gridCol w="3355975"/>
-                <a:gridCol w="638810"/>
-                <a:gridCol w="638810"/>
-                <a:gridCol w="638810"/>
+                <a:gridCol w="567784">
+                  <a:extLst>
+                    <a:ext uri="{9D8B030D-6E8A-4147-A177-3AD203B41FA5}">
+                      <a16:colId xmlns:a16="http://schemas.microsoft.com/office/drawing/2014/main" val="20000"/>
+                    </a:ext>
+                  </a:extLst>
+                </a:gridCol>
+                <a:gridCol w="3355975">
+                  <a:extLst>
+                    <a:ext uri="{9D8B030D-6E8A-4147-A177-3AD203B41FA5}">
+                      <a16:colId xmlns:a16="http://schemas.microsoft.com/office/drawing/2014/main" val="20001"/>
+                    </a:ext>
+                  </a:extLst>
+                </a:gridCol>
+                <a:gridCol w="638810">
+                  <a:extLst>
+                    <a:ext uri="{9D8B030D-6E8A-4147-A177-3AD203B41FA5}">
+                      <a16:colId xmlns:a16="http://schemas.microsoft.com/office/drawing/2014/main" val="20002"/>
+                    </a:ext>
+                  </a:extLst>
+                </a:gridCol>
+                <a:gridCol w="638810">
+                  <a:extLst>
+                    <a:ext uri="{9D8B030D-6E8A-4147-A177-3AD203B41FA5}">
+                      <a16:colId xmlns:a16="http://schemas.microsoft.com/office/drawing/2014/main" val="20003"/>
+                    </a:ext>
+                  </a:extLst>
+                </a:gridCol>
+                <a:gridCol w="638810">
+                  <a:extLst>
+                    <a:ext uri="{9D8B030D-6E8A-4147-A177-3AD203B41FA5}">
+                      <a16:colId xmlns:a16="http://schemas.microsoft.com/office/drawing/2014/main" val="20004"/>
+                    </a:ext>
+                  </a:extLst>
+                </a:gridCol>
               </a:tblGrid>
               <a:tr h="238125">
                 <a:tc gridSpan="5">
@@ -4354,6 +4947,11 @@
                   </a:txBody>
                   <a:tcPr/>
                 </a:tc>
+                <a:extLst>
+                  <a:ext uri="{0D108BD9-81ED-4DB2-BD59-A6C34878D82A}">
+                    <a16:rowId xmlns:a16="http://schemas.microsoft.com/office/drawing/2014/main" val="10000"/>
+                  </a:ext>
+                </a:extLst>
               </a:tr>
               <a:tr h="200025">
                 <a:tc>
@@ -4501,6 +5099,11 @@
                   </a:txBody>
                   <a:tcPr marL="44450" marR="44450" marT="0" marB="0" anchor="b"/>
                 </a:tc>
+                <a:extLst>
+                  <a:ext uri="{0D108BD9-81ED-4DB2-BD59-A6C34878D82A}">
+                    <a16:rowId xmlns:a16="http://schemas.microsoft.com/office/drawing/2014/main" val="10001"/>
+                  </a:ext>
+                </a:extLst>
               </a:tr>
               <a:tr h="190500">
                 <a:tc>
@@ -4648,6 +5251,11 @@
                   </a:txBody>
                   <a:tcPr marL="44450" marR="44450" marT="0" marB="0" anchor="b"/>
                 </a:tc>
+                <a:extLst>
+                  <a:ext uri="{0D108BD9-81ED-4DB2-BD59-A6C34878D82A}">
+                    <a16:rowId xmlns:a16="http://schemas.microsoft.com/office/drawing/2014/main" val="10002"/>
+                  </a:ext>
+                </a:extLst>
               </a:tr>
               <a:tr h="190500">
                 <a:tc>
@@ -4795,6 +5403,11 @@
                   </a:txBody>
                   <a:tcPr marL="44450" marR="44450" marT="0" marB="0" anchor="b"/>
                 </a:tc>
+                <a:extLst>
+                  <a:ext uri="{0D108BD9-81ED-4DB2-BD59-A6C34878D82A}">
+                    <a16:rowId xmlns:a16="http://schemas.microsoft.com/office/drawing/2014/main" val="10003"/>
+                  </a:ext>
+                </a:extLst>
               </a:tr>
               <a:tr h="190500">
                 <a:tc>
@@ -4942,6 +5555,11 @@
                   </a:txBody>
                   <a:tcPr marL="44450" marR="44450" marT="0" marB="0" anchor="b"/>
                 </a:tc>
+                <a:extLst>
+                  <a:ext uri="{0D108BD9-81ED-4DB2-BD59-A6C34878D82A}">
+                    <a16:rowId xmlns:a16="http://schemas.microsoft.com/office/drawing/2014/main" val="10004"/>
+                  </a:ext>
+                </a:extLst>
               </a:tr>
               <a:tr h="190500">
                 <a:tc>
@@ -5089,6 +5707,11 @@
                   </a:txBody>
                   <a:tcPr marL="44450" marR="44450" marT="0" marB="0" anchor="b"/>
                 </a:tc>
+                <a:extLst>
+                  <a:ext uri="{0D108BD9-81ED-4DB2-BD59-A6C34878D82A}">
+                    <a16:rowId xmlns:a16="http://schemas.microsoft.com/office/drawing/2014/main" val="10005"/>
+                  </a:ext>
+                </a:extLst>
               </a:tr>
               <a:tr h="190500">
                 <a:tc>
@@ -5236,6 +5859,11 @@
                   </a:txBody>
                   <a:tcPr marL="44450" marR="44450" marT="0" marB="0" anchor="b"/>
                 </a:tc>
+                <a:extLst>
+                  <a:ext uri="{0D108BD9-81ED-4DB2-BD59-A6C34878D82A}">
+                    <a16:rowId xmlns:a16="http://schemas.microsoft.com/office/drawing/2014/main" val="10006"/>
+                  </a:ext>
+                </a:extLst>
               </a:tr>
               <a:tr h="190500">
                 <a:tc>
@@ -5383,6 +6011,11 @@
                   </a:txBody>
                   <a:tcPr marL="44450" marR="44450" marT="0" marB="0" anchor="b"/>
                 </a:tc>
+                <a:extLst>
+                  <a:ext uri="{0D108BD9-81ED-4DB2-BD59-A6C34878D82A}">
+                    <a16:rowId xmlns:a16="http://schemas.microsoft.com/office/drawing/2014/main" val="10007"/>
+                  </a:ext>
+                </a:extLst>
               </a:tr>
               <a:tr h="190500">
                 <a:tc>
@@ -5530,6 +6163,11 @@
                   </a:txBody>
                   <a:tcPr marL="44450" marR="44450" marT="0" marB="0" anchor="b"/>
                 </a:tc>
+                <a:extLst>
+                  <a:ext uri="{0D108BD9-81ED-4DB2-BD59-A6C34878D82A}">
+                    <a16:rowId xmlns:a16="http://schemas.microsoft.com/office/drawing/2014/main" val="10008"/>
+                  </a:ext>
+                </a:extLst>
               </a:tr>
               <a:tr h="190500">
                 <a:tc>
@@ -5677,6 +6315,11 @@
                   </a:txBody>
                   <a:tcPr marL="44450" marR="44450" marT="0" marB="0" anchor="b"/>
                 </a:tc>
+                <a:extLst>
+                  <a:ext uri="{0D108BD9-81ED-4DB2-BD59-A6C34878D82A}">
+                    <a16:rowId xmlns:a16="http://schemas.microsoft.com/office/drawing/2014/main" val="10009"/>
+                  </a:ext>
+                </a:extLst>
               </a:tr>
               <a:tr h="190500">
                 <a:tc>
@@ -5824,6 +6467,11 @@
                   </a:txBody>
                   <a:tcPr marL="44450" marR="44450" marT="0" marB="0" anchor="b"/>
                 </a:tc>
+                <a:extLst>
+                  <a:ext uri="{0D108BD9-81ED-4DB2-BD59-A6C34878D82A}">
+                    <a16:rowId xmlns:a16="http://schemas.microsoft.com/office/drawing/2014/main" val="10010"/>
+                  </a:ext>
+                </a:extLst>
               </a:tr>
               <a:tr h="190500">
                 <a:tc>
@@ -5971,6 +6619,11 @@
                   </a:txBody>
                   <a:tcPr marL="44450" marR="44450" marT="0" marB="0" anchor="b"/>
                 </a:tc>
+                <a:extLst>
+                  <a:ext uri="{0D108BD9-81ED-4DB2-BD59-A6C34878D82A}">
+                    <a16:rowId xmlns:a16="http://schemas.microsoft.com/office/drawing/2014/main" val="10011"/>
+                  </a:ext>
+                </a:extLst>
               </a:tr>
               <a:tr h="190500">
                 <a:tc>
@@ -6118,6 +6771,11 @@
                   </a:txBody>
                   <a:tcPr marL="44450" marR="44450" marT="0" marB="0" anchor="b"/>
                 </a:tc>
+                <a:extLst>
+                  <a:ext uri="{0D108BD9-81ED-4DB2-BD59-A6C34878D82A}">
+                    <a16:rowId xmlns:a16="http://schemas.microsoft.com/office/drawing/2014/main" val="10012"/>
+                  </a:ext>
+                </a:extLst>
               </a:tr>
               <a:tr h="190500">
                 <a:tc>
@@ -6265,6 +6923,11 @@
                   </a:txBody>
                   <a:tcPr marL="44450" marR="44450" marT="0" marB="0" anchor="b"/>
                 </a:tc>
+                <a:extLst>
+                  <a:ext uri="{0D108BD9-81ED-4DB2-BD59-A6C34878D82A}">
+                    <a16:rowId xmlns:a16="http://schemas.microsoft.com/office/drawing/2014/main" val="10013"/>
+                  </a:ext>
+                </a:extLst>
               </a:tr>
               <a:tr h="190500">
                 <a:tc>
@@ -6412,6 +7075,11 @@
                   </a:txBody>
                   <a:tcPr marL="44450" marR="44450" marT="0" marB="0" anchor="b"/>
                 </a:tc>
+                <a:extLst>
+                  <a:ext uri="{0D108BD9-81ED-4DB2-BD59-A6C34878D82A}">
+                    <a16:rowId xmlns:a16="http://schemas.microsoft.com/office/drawing/2014/main" val="10014"/>
+                  </a:ext>
+                </a:extLst>
               </a:tr>
               <a:tr h="190500">
                 <a:tc>
@@ -6559,6 +7227,11 @@
                   </a:txBody>
                   <a:tcPr marL="44450" marR="44450" marT="0" marB="0" anchor="b"/>
                 </a:tc>
+                <a:extLst>
+                  <a:ext uri="{0D108BD9-81ED-4DB2-BD59-A6C34878D82A}">
+                    <a16:rowId xmlns:a16="http://schemas.microsoft.com/office/drawing/2014/main" val="10015"/>
+                  </a:ext>
+                </a:extLst>
               </a:tr>
               <a:tr h="190500">
                 <a:tc>
@@ -6706,6 +7379,11 @@
                   </a:txBody>
                   <a:tcPr marL="44450" marR="44450" marT="0" marB="0" anchor="b"/>
                 </a:tc>
+                <a:extLst>
+                  <a:ext uri="{0D108BD9-81ED-4DB2-BD59-A6C34878D82A}">
+                    <a16:rowId xmlns:a16="http://schemas.microsoft.com/office/drawing/2014/main" val="10016"/>
+                  </a:ext>
+                </a:extLst>
               </a:tr>
               <a:tr h="190500">
                 <a:tc>
@@ -6853,6 +7531,11 @@
                   </a:txBody>
                   <a:tcPr marL="44450" marR="44450" marT="0" marB="0" anchor="b"/>
                 </a:tc>
+                <a:extLst>
+                  <a:ext uri="{0D108BD9-81ED-4DB2-BD59-A6C34878D82A}">
+                    <a16:rowId xmlns:a16="http://schemas.microsoft.com/office/drawing/2014/main" val="10017"/>
+                  </a:ext>
+                </a:extLst>
               </a:tr>
               <a:tr h="190500">
                 <a:tc>
@@ -7000,6 +7683,11 @@
                   </a:txBody>
                   <a:tcPr marL="44450" marR="44450" marT="0" marB="0" anchor="b"/>
                 </a:tc>
+                <a:extLst>
+                  <a:ext uri="{0D108BD9-81ED-4DB2-BD59-A6C34878D82A}">
+                    <a16:rowId xmlns:a16="http://schemas.microsoft.com/office/drawing/2014/main" val="10018"/>
+                  </a:ext>
+                </a:extLst>
               </a:tr>
               <a:tr h="190500">
                 <a:tc>
@@ -7147,6 +7835,11 @@
                   </a:txBody>
                   <a:tcPr marL="44450" marR="44450" marT="0" marB="0" anchor="b"/>
                 </a:tc>
+                <a:extLst>
+                  <a:ext uri="{0D108BD9-81ED-4DB2-BD59-A6C34878D82A}">
+                    <a16:rowId xmlns:a16="http://schemas.microsoft.com/office/drawing/2014/main" val="10019"/>
+                  </a:ext>
+                </a:extLst>
               </a:tr>
               <a:tr h="190500">
                 <a:tc>
@@ -7294,6 +7987,11 @@
                   </a:txBody>
                   <a:tcPr marL="44450" marR="44450" marT="0" marB="0" anchor="b"/>
                 </a:tc>
+                <a:extLst>
+                  <a:ext uri="{0D108BD9-81ED-4DB2-BD59-A6C34878D82A}">
+                    <a16:rowId xmlns:a16="http://schemas.microsoft.com/office/drawing/2014/main" val="10020"/>
+                  </a:ext>
+                </a:extLst>
               </a:tr>
               <a:tr h="190500">
                 <a:tc>
@@ -7441,6 +8139,11 @@
                   </a:txBody>
                   <a:tcPr marL="44450" marR="44450" marT="0" marB="0" anchor="b"/>
                 </a:tc>
+                <a:extLst>
+                  <a:ext uri="{0D108BD9-81ED-4DB2-BD59-A6C34878D82A}">
+                    <a16:rowId xmlns:a16="http://schemas.microsoft.com/office/drawing/2014/main" val="10021"/>
+                  </a:ext>
+                </a:extLst>
               </a:tr>
             </a:tbl>
           </a:graphicData>
@@ -7583,7 +8286,6 @@
               <a:rPr lang="pt-BR" sz="2000" dirty="0"/>
               <a:t>. </a:t>
             </a:r>
-            <a:endParaRPr lang="pt-BR" sz="2000" dirty="0"/>
           </a:p>
           <a:p>
             <a:pPr marL="402336" lvl="1" indent="0" algn="just">
@@ -7675,7 +8377,7 @@
         </p:nvGraphicFramePr>
         <p:xfrm>
           <a:off x="2267745" y="1587246"/>
-          <a:ext cx="5768181" cy="4501325"/>
+          <a:ext cx="5768181" cy="4714494"/>
         </p:xfrm>
         <a:graphic>
           <a:graphicData uri="http://schemas.openxmlformats.org/drawingml/2006/table">
@@ -7684,11 +8386,41 @@
                 <a:tableStyleId>{5C22544A-7EE6-4342-B048-85BDC9FD1C3A}</a:tableStyleId>
               </a:tblPr>
               <a:tblGrid>
-                <a:gridCol w="576063"/>
-                <a:gridCol w="3275688"/>
-                <a:gridCol w="638810"/>
-                <a:gridCol w="638810"/>
-                <a:gridCol w="638810"/>
+                <a:gridCol w="576063">
+                  <a:extLst>
+                    <a:ext uri="{9D8B030D-6E8A-4147-A177-3AD203B41FA5}">
+                      <a16:colId xmlns:a16="http://schemas.microsoft.com/office/drawing/2014/main" val="20000"/>
+                    </a:ext>
+                  </a:extLst>
+                </a:gridCol>
+                <a:gridCol w="3275688">
+                  <a:extLst>
+                    <a:ext uri="{9D8B030D-6E8A-4147-A177-3AD203B41FA5}">
+                      <a16:colId xmlns:a16="http://schemas.microsoft.com/office/drawing/2014/main" val="20001"/>
+                    </a:ext>
+                  </a:extLst>
+                </a:gridCol>
+                <a:gridCol w="638810">
+                  <a:extLst>
+                    <a:ext uri="{9D8B030D-6E8A-4147-A177-3AD203B41FA5}">
+                      <a16:colId xmlns:a16="http://schemas.microsoft.com/office/drawing/2014/main" val="20002"/>
+                    </a:ext>
+                  </a:extLst>
+                </a:gridCol>
+                <a:gridCol w="638810">
+                  <a:extLst>
+                    <a:ext uri="{9D8B030D-6E8A-4147-A177-3AD203B41FA5}">
+                      <a16:colId xmlns:a16="http://schemas.microsoft.com/office/drawing/2014/main" val="20003"/>
+                    </a:ext>
+                  </a:extLst>
+                </a:gridCol>
+                <a:gridCol w="638810">
+                  <a:extLst>
+                    <a:ext uri="{9D8B030D-6E8A-4147-A177-3AD203B41FA5}">
+                      <a16:colId xmlns:a16="http://schemas.microsoft.com/office/drawing/2014/main" val="20004"/>
+                    </a:ext>
+                  </a:extLst>
+                </a:gridCol>
               </a:tblGrid>
               <a:tr h="238125">
                 <a:tc gridSpan="5">
@@ -7760,6 +8492,11 @@
                   </a:txBody>
                   <a:tcPr/>
                 </a:tc>
+                <a:extLst>
+                  <a:ext uri="{0D108BD9-81ED-4DB2-BD59-A6C34878D82A}">
+                    <a16:rowId xmlns:a16="http://schemas.microsoft.com/office/drawing/2014/main" val="10000"/>
+                  </a:ext>
+                </a:extLst>
               </a:tr>
               <a:tr h="200025">
                 <a:tc>
@@ -7907,6 +8644,11 @@
                   </a:txBody>
                   <a:tcPr marL="44450" marR="44450" marT="0" marB="0" anchor="b"/>
                 </a:tc>
+                <a:extLst>
+                  <a:ext uri="{0D108BD9-81ED-4DB2-BD59-A6C34878D82A}">
+                    <a16:rowId xmlns:a16="http://schemas.microsoft.com/office/drawing/2014/main" val="10001"/>
+                  </a:ext>
+                </a:extLst>
               </a:tr>
               <a:tr h="190500">
                 <a:tc>
@@ -8054,6 +8796,11 @@
                   </a:txBody>
                   <a:tcPr marL="44450" marR="44450" marT="0" marB="0" anchor="b"/>
                 </a:tc>
+                <a:extLst>
+                  <a:ext uri="{0D108BD9-81ED-4DB2-BD59-A6C34878D82A}">
+                    <a16:rowId xmlns:a16="http://schemas.microsoft.com/office/drawing/2014/main" val="10002"/>
+                  </a:ext>
+                </a:extLst>
               </a:tr>
               <a:tr h="190500">
                 <a:tc>
@@ -8201,6 +8948,11 @@
                   </a:txBody>
                   <a:tcPr marL="44450" marR="44450" marT="0" marB="0" anchor="b"/>
                 </a:tc>
+                <a:extLst>
+                  <a:ext uri="{0D108BD9-81ED-4DB2-BD59-A6C34878D82A}">
+                    <a16:rowId xmlns:a16="http://schemas.microsoft.com/office/drawing/2014/main" val="10003"/>
+                  </a:ext>
+                </a:extLst>
               </a:tr>
               <a:tr h="190500">
                 <a:tc>
@@ -8348,6 +9100,11 @@
                   </a:txBody>
                   <a:tcPr marL="44450" marR="44450" marT="0" marB="0" anchor="b"/>
                 </a:tc>
+                <a:extLst>
+                  <a:ext uri="{0D108BD9-81ED-4DB2-BD59-A6C34878D82A}">
+                    <a16:rowId xmlns:a16="http://schemas.microsoft.com/office/drawing/2014/main" val="10004"/>
+                  </a:ext>
+                </a:extLst>
               </a:tr>
               <a:tr h="190500">
                 <a:tc>
@@ -8495,6 +9252,11 @@
                   </a:txBody>
                   <a:tcPr marL="44450" marR="44450" marT="0" marB="0" anchor="b"/>
                 </a:tc>
+                <a:extLst>
+                  <a:ext uri="{0D108BD9-81ED-4DB2-BD59-A6C34878D82A}">
+                    <a16:rowId xmlns:a16="http://schemas.microsoft.com/office/drawing/2014/main" val="10005"/>
+                  </a:ext>
+                </a:extLst>
               </a:tr>
               <a:tr h="190500">
                 <a:tc>
@@ -8642,6 +9404,11 @@
                   </a:txBody>
                   <a:tcPr marL="44450" marR="44450" marT="0" marB="0" anchor="b"/>
                 </a:tc>
+                <a:extLst>
+                  <a:ext uri="{0D108BD9-81ED-4DB2-BD59-A6C34878D82A}">
+                    <a16:rowId xmlns:a16="http://schemas.microsoft.com/office/drawing/2014/main" val="10006"/>
+                  </a:ext>
+                </a:extLst>
               </a:tr>
               <a:tr h="190500">
                 <a:tc>
@@ -8789,6 +9556,11 @@
                   </a:txBody>
                   <a:tcPr marL="44450" marR="44450" marT="0" marB="0" anchor="b"/>
                 </a:tc>
+                <a:extLst>
+                  <a:ext uri="{0D108BD9-81ED-4DB2-BD59-A6C34878D82A}">
+                    <a16:rowId xmlns:a16="http://schemas.microsoft.com/office/drawing/2014/main" val="10007"/>
+                  </a:ext>
+                </a:extLst>
               </a:tr>
               <a:tr h="190500">
                 <a:tc>
@@ -8936,6 +9708,11 @@
                   </a:txBody>
                   <a:tcPr marL="44450" marR="44450" marT="0" marB="0" anchor="b"/>
                 </a:tc>
+                <a:extLst>
+                  <a:ext uri="{0D108BD9-81ED-4DB2-BD59-A6C34878D82A}">
+                    <a16:rowId xmlns:a16="http://schemas.microsoft.com/office/drawing/2014/main" val="10008"/>
+                  </a:ext>
+                </a:extLst>
               </a:tr>
               <a:tr h="190500">
                 <a:tc>
@@ -9083,6 +9860,11 @@
                   </a:txBody>
                   <a:tcPr marL="44450" marR="44450" marT="0" marB="0" anchor="b"/>
                 </a:tc>
+                <a:extLst>
+                  <a:ext uri="{0D108BD9-81ED-4DB2-BD59-A6C34878D82A}">
+                    <a16:rowId xmlns:a16="http://schemas.microsoft.com/office/drawing/2014/main" val="10009"/>
+                  </a:ext>
+                </a:extLst>
               </a:tr>
               <a:tr h="190500">
                 <a:tc>
@@ -9230,6 +10012,11 @@
                   </a:txBody>
                   <a:tcPr marL="44450" marR="44450" marT="0" marB="0" anchor="b"/>
                 </a:tc>
+                <a:extLst>
+                  <a:ext uri="{0D108BD9-81ED-4DB2-BD59-A6C34878D82A}">
+                    <a16:rowId xmlns:a16="http://schemas.microsoft.com/office/drawing/2014/main" val="10010"/>
+                  </a:ext>
+                </a:extLst>
               </a:tr>
               <a:tr h="190500">
                 <a:tc>
@@ -9377,6 +10164,11 @@
                   </a:txBody>
                   <a:tcPr marL="44450" marR="44450" marT="0" marB="0" anchor="b"/>
                 </a:tc>
+                <a:extLst>
+                  <a:ext uri="{0D108BD9-81ED-4DB2-BD59-A6C34878D82A}">
+                    <a16:rowId xmlns:a16="http://schemas.microsoft.com/office/drawing/2014/main" val="10011"/>
+                  </a:ext>
+                </a:extLst>
               </a:tr>
               <a:tr h="190500">
                 <a:tc>
@@ -9524,6 +10316,11 @@
                   </a:txBody>
                   <a:tcPr marL="44450" marR="44450" marT="0" marB="0" anchor="b"/>
                 </a:tc>
+                <a:extLst>
+                  <a:ext uri="{0D108BD9-81ED-4DB2-BD59-A6C34878D82A}">
+                    <a16:rowId xmlns:a16="http://schemas.microsoft.com/office/drawing/2014/main" val="10012"/>
+                  </a:ext>
+                </a:extLst>
               </a:tr>
               <a:tr h="190500">
                 <a:tc>
@@ -9671,6 +10468,11 @@
                   </a:txBody>
                   <a:tcPr marL="44450" marR="44450" marT="0" marB="0" anchor="b"/>
                 </a:tc>
+                <a:extLst>
+                  <a:ext uri="{0D108BD9-81ED-4DB2-BD59-A6C34878D82A}">
+                    <a16:rowId xmlns:a16="http://schemas.microsoft.com/office/drawing/2014/main" val="10013"/>
+                  </a:ext>
+                </a:extLst>
               </a:tr>
               <a:tr h="190500">
                 <a:tc>
@@ -9818,6 +10620,11 @@
                   </a:txBody>
                   <a:tcPr marL="44450" marR="44450" marT="0" marB="0" anchor="b"/>
                 </a:tc>
+                <a:extLst>
+                  <a:ext uri="{0D108BD9-81ED-4DB2-BD59-A6C34878D82A}">
+                    <a16:rowId xmlns:a16="http://schemas.microsoft.com/office/drawing/2014/main" val="10014"/>
+                  </a:ext>
+                </a:extLst>
               </a:tr>
               <a:tr h="190500">
                 <a:tc>
@@ -9965,6 +10772,11 @@
                   </a:txBody>
                   <a:tcPr marL="44450" marR="44450" marT="0" marB="0" anchor="b"/>
                 </a:tc>
+                <a:extLst>
+                  <a:ext uri="{0D108BD9-81ED-4DB2-BD59-A6C34878D82A}">
+                    <a16:rowId xmlns:a16="http://schemas.microsoft.com/office/drawing/2014/main" val="10015"/>
+                  </a:ext>
+                </a:extLst>
               </a:tr>
               <a:tr h="190500">
                 <a:tc>
@@ -10112,6 +10924,11 @@
                   </a:txBody>
                   <a:tcPr marL="44450" marR="44450" marT="0" marB="0" anchor="b"/>
                 </a:tc>
+                <a:extLst>
+                  <a:ext uri="{0D108BD9-81ED-4DB2-BD59-A6C34878D82A}">
+                    <a16:rowId xmlns:a16="http://schemas.microsoft.com/office/drawing/2014/main" val="10016"/>
+                  </a:ext>
+                </a:extLst>
               </a:tr>
               <a:tr h="190500">
                 <a:tc>
@@ -10259,6 +11076,11 @@
                   </a:txBody>
                   <a:tcPr marL="44450" marR="44450" marT="0" marB="0" anchor="b"/>
                 </a:tc>
+                <a:extLst>
+                  <a:ext uri="{0D108BD9-81ED-4DB2-BD59-A6C34878D82A}">
+                    <a16:rowId xmlns:a16="http://schemas.microsoft.com/office/drawing/2014/main" val="10017"/>
+                  </a:ext>
+                </a:extLst>
               </a:tr>
               <a:tr h="190500">
                 <a:tc>
@@ -10406,6 +11228,11 @@
                   </a:txBody>
                   <a:tcPr marL="44450" marR="44450" marT="0" marB="0" anchor="b"/>
                 </a:tc>
+                <a:extLst>
+                  <a:ext uri="{0D108BD9-81ED-4DB2-BD59-A6C34878D82A}">
+                    <a16:rowId xmlns:a16="http://schemas.microsoft.com/office/drawing/2014/main" val="10018"/>
+                  </a:ext>
+                </a:extLst>
               </a:tr>
               <a:tr h="190500">
                 <a:tc>
@@ -10553,6 +11380,11 @@
                   </a:txBody>
                   <a:tcPr marL="44450" marR="44450" marT="0" marB="0" anchor="b"/>
                 </a:tc>
+                <a:extLst>
+                  <a:ext uri="{0D108BD9-81ED-4DB2-BD59-A6C34878D82A}">
+                    <a16:rowId xmlns:a16="http://schemas.microsoft.com/office/drawing/2014/main" val="10019"/>
+                  </a:ext>
+                </a:extLst>
               </a:tr>
               <a:tr h="190500">
                 <a:tc>
@@ -10700,6 +11532,11 @@
                   </a:txBody>
                   <a:tcPr marL="44450" marR="44450" marT="0" marB="0" anchor="b"/>
                 </a:tc>
+                <a:extLst>
+                  <a:ext uri="{0D108BD9-81ED-4DB2-BD59-A6C34878D82A}">
+                    <a16:rowId xmlns:a16="http://schemas.microsoft.com/office/drawing/2014/main" val="10020"/>
+                  </a:ext>
+                </a:extLst>
               </a:tr>
               <a:tr h="190500">
                 <a:tc>
@@ -10847,6 +11684,11 @@
                   </a:txBody>
                   <a:tcPr marL="44450" marR="44450" marT="0" marB="0" anchor="b"/>
                 </a:tc>
+                <a:extLst>
+                  <a:ext uri="{0D108BD9-81ED-4DB2-BD59-A6C34878D82A}">
+                    <a16:rowId xmlns:a16="http://schemas.microsoft.com/office/drawing/2014/main" val="10021"/>
+                  </a:ext>
+                </a:extLst>
               </a:tr>
             </a:tbl>
           </a:graphicData>
@@ -11845,9 +12687,99 @@
         </p:nvSpPr>
         <p:spPr/>
         <p:txBody>
-          <a:bodyPr/>
+          <a:bodyPr>
+            <a:normAutofit fontScale="62500" lnSpcReduction="20000"/>
+          </a:bodyPr>
           <a:lstStyle/>
           <a:p>
+            <a:r>
+              <a:rPr lang="pt-BR" dirty="0" smtClean="0"/>
+              <a:t>Responsável</a:t>
+            </a:r>
+          </a:p>
+          <a:p>
+            <a:r>
+              <a:rPr lang="pt-BR" dirty="0" smtClean="0"/>
+              <a:t>Família ISO 9000</a:t>
+            </a:r>
+          </a:p>
+          <a:p>
+            <a:r>
+              <a:rPr lang="pt-BR" dirty="0" smtClean="0"/>
+              <a:t>Composição</a:t>
+            </a:r>
+          </a:p>
+          <a:p>
+            <a:r>
+              <a:rPr lang="pt-BR" dirty="0" smtClean="0"/>
+              <a:t>Gestão de Qualidade</a:t>
+            </a:r>
+          </a:p>
+          <a:p>
+            <a:r>
+              <a:rPr lang="pt-BR" dirty="0" smtClean="0"/>
+              <a:t>Histórico</a:t>
+            </a:r>
+          </a:p>
+          <a:p>
+            <a:r>
+              <a:rPr lang="pt-BR" dirty="0" smtClean="0"/>
+              <a:t>Composição Atual</a:t>
+            </a:r>
+          </a:p>
+          <a:p>
+            <a:r>
+              <a:rPr lang="pt-BR" dirty="0" smtClean="0"/>
+              <a:t>Certificação</a:t>
+            </a:r>
+          </a:p>
+          <a:p>
+            <a:r>
+              <a:rPr lang="pt-BR" dirty="0" smtClean="0"/>
+              <a:t>Organismo Certificador</a:t>
+            </a:r>
+          </a:p>
+          <a:p>
+            <a:r>
+              <a:rPr lang="pt-BR" dirty="0" smtClean="0"/>
+              <a:t>Acreditador</a:t>
+            </a:r>
+          </a:p>
+          <a:p>
+            <a:r>
+              <a:rPr lang="pt-BR" dirty="0" smtClean="0"/>
+              <a:t>Acreditação</a:t>
+            </a:r>
+            <a:endParaRPr lang="pt-BR" dirty="0" smtClean="0"/>
+          </a:p>
+          <a:p>
+            <a:r>
+              <a:rPr lang="pt-BR" dirty="0" smtClean="0"/>
+              <a:t>Acreditado</a:t>
+            </a:r>
+          </a:p>
+          <a:p>
+            <a:r>
+              <a:rPr lang="pt-BR" dirty="0" smtClean="0"/>
+              <a:t>Métodos </a:t>
+            </a:r>
+            <a:r>
+              <a:rPr lang="pt-BR" smtClean="0"/>
+              <a:t>de Avaliação</a:t>
+            </a:r>
+            <a:endParaRPr lang="pt-BR" dirty="0" smtClean="0"/>
+          </a:p>
+          <a:p>
+            <a:r>
+              <a:rPr lang="pt-BR" dirty="0" smtClean="0"/>
+              <a:t>Tendências Futuras</a:t>
+            </a:r>
+          </a:p>
+          <a:p>
+            <a:r>
+              <a:rPr lang="pt-BR" dirty="0" smtClean="0"/>
+              <a:t>Relação com a matéria</a:t>
+            </a:r>
             <a:endParaRPr lang="pt-BR" dirty="0"/>
           </a:p>
         </p:txBody>
@@ -11957,7 +12889,6 @@
               <a:rPr lang="pt-BR" dirty="0"/>
               <a:t>que introduz o conceito de exclusões.</a:t>
             </a:r>
-            <a:endParaRPr lang="pt-BR" dirty="0"/>
           </a:p>
         </p:txBody>
       </p:sp>
@@ -12379,7 +13310,13 @@
                 <a:tableStyleId>{5C22544A-7EE6-4342-B048-85BDC9FD1C3A}</a:tableStyleId>
               </a:tblPr>
               <a:tblGrid>
-                <a:gridCol w="2794000"/>
+                <a:gridCol w="2794000">
+                  <a:extLst>
+                    <a:ext uri="{9D8B030D-6E8A-4147-A177-3AD203B41FA5}">
+                      <a16:colId xmlns:a16="http://schemas.microsoft.com/office/drawing/2014/main" val="20000"/>
+                    </a:ext>
+                  </a:extLst>
+                </a:gridCol>
               </a:tblGrid>
               <a:tr h="253253">
                 <a:tc>
@@ -12405,6 +13342,11 @@
                   </a:txBody>
                   <a:tcPr marL="9525" marR="9525" marT="9525" marB="0" anchor="ctr"/>
                 </a:tc>
+                <a:extLst>
+                  <a:ext uri="{0D108BD9-81ED-4DB2-BD59-A6C34878D82A}">
+                    <a16:rowId xmlns:a16="http://schemas.microsoft.com/office/drawing/2014/main" val="10000"/>
+                  </a:ext>
+                </a:extLst>
               </a:tr>
               <a:tr h="243123">
                 <a:tc>
@@ -12430,6 +13372,11 @@
                   </a:txBody>
                   <a:tcPr marL="9525" marR="9525" marT="9525" marB="0" anchor="ctr"/>
                 </a:tc>
+                <a:extLst>
+                  <a:ext uri="{0D108BD9-81ED-4DB2-BD59-A6C34878D82A}">
+                    <a16:rowId xmlns:a16="http://schemas.microsoft.com/office/drawing/2014/main" val="10001"/>
+                  </a:ext>
+                </a:extLst>
               </a:tr>
               <a:tr h="212732">
                 <a:tc>
@@ -12455,6 +13402,11 @@
                   </a:txBody>
                   <a:tcPr marL="9525" marR="9525" marT="9525" marB="0" anchor="ctr"/>
                 </a:tc>
+                <a:extLst>
+                  <a:ext uri="{0D108BD9-81ED-4DB2-BD59-A6C34878D82A}">
+                    <a16:rowId xmlns:a16="http://schemas.microsoft.com/office/drawing/2014/main" val="10002"/>
+                  </a:ext>
+                </a:extLst>
               </a:tr>
               <a:tr h="212732">
                 <a:tc>
@@ -12480,6 +13432,11 @@
                   </a:txBody>
                   <a:tcPr marL="9525" marR="9525" marT="9525" marB="0" anchor="ctr"/>
                 </a:tc>
+                <a:extLst>
+                  <a:ext uri="{0D108BD9-81ED-4DB2-BD59-A6C34878D82A}">
+                    <a16:rowId xmlns:a16="http://schemas.microsoft.com/office/drawing/2014/main" val="10003"/>
+                  </a:ext>
+                </a:extLst>
               </a:tr>
               <a:tr h="212732">
                 <a:tc>
@@ -12505,6 +13462,11 @@
                   </a:txBody>
                   <a:tcPr marL="9525" marR="9525" marT="9525" marB="0" anchor="ctr"/>
                 </a:tc>
+                <a:extLst>
+                  <a:ext uri="{0D108BD9-81ED-4DB2-BD59-A6C34878D82A}">
+                    <a16:rowId xmlns:a16="http://schemas.microsoft.com/office/drawing/2014/main" val="10004"/>
+                  </a:ext>
+                </a:extLst>
               </a:tr>
               <a:tr h="212732">
                 <a:tc>
@@ -12530,6 +13492,11 @@
                   </a:txBody>
                   <a:tcPr marL="9525" marR="9525" marT="9525" marB="0" anchor="b"/>
                 </a:tc>
+                <a:extLst>
+                  <a:ext uri="{0D108BD9-81ED-4DB2-BD59-A6C34878D82A}">
+                    <a16:rowId xmlns:a16="http://schemas.microsoft.com/office/drawing/2014/main" val="10005"/>
+                  </a:ext>
+                </a:extLst>
               </a:tr>
               <a:tr h="212732">
                 <a:tc>
@@ -12555,6 +13522,11 @@
                   </a:txBody>
                   <a:tcPr marL="9525" marR="9525" marT="9525" marB="0" anchor="b"/>
                 </a:tc>
+                <a:extLst>
+                  <a:ext uri="{0D108BD9-81ED-4DB2-BD59-A6C34878D82A}">
+                    <a16:rowId xmlns:a16="http://schemas.microsoft.com/office/drawing/2014/main" val="10006"/>
+                  </a:ext>
+                </a:extLst>
               </a:tr>
               <a:tr h="212732">
                 <a:tc>
@@ -12580,6 +13552,11 @@
                   </a:txBody>
                   <a:tcPr marL="9525" marR="9525" marT="9525" marB="0" anchor="b"/>
                 </a:tc>
+                <a:extLst>
+                  <a:ext uri="{0D108BD9-81ED-4DB2-BD59-A6C34878D82A}">
+                    <a16:rowId xmlns:a16="http://schemas.microsoft.com/office/drawing/2014/main" val="10007"/>
+                  </a:ext>
+                </a:extLst>
               </a:tr>
               <a:tr h="212732">
                 <a:tc>
@@ -12605,6 +13582,11 @@
                   </a:txBody>
                   <a:tcPr marL="9525" marR="9525" marT="9525" marB="0" anchor="b"/>
                 </a:tc>
+                <a:extLst>
+                  <a:ext uri="{0D108BD9-81ED-4DB2-BD59-A6C34878D82A}">
+                    <a16:rowId xmlns:a16="http://schemas.microsoft.com/office/drawing/2014/main" val="10008"/>
+                  </a:ext>
+                </a:extLst>
               </a:tr>
               <a:tr h="212732">
                 <a:tc>
@@ -12630,6 +13612,11 @@
                   </a:txBody>
                   <a:tcPr marL="9525" marR="9525" marT="9525" marB="0" anchor="b"/>
                 </a:tc>
+                <a:extLst>
+                  <a:ext uri="{0D108BD9-81ED-4DB2-BD59-A6C34878D82A}">
+                    <a16:rowId xmlns:a16="http://schemas.microsoft.com/office/drawing/2014/main" val="10009"/>
+                  </a:ext>
+                </a:extLst>
               </a:tr>
               <a:tr h="212732">
                 <a:tc>
@@ -12655,6 +13642,11 @@
                   </a:txBody>
                   <a:tcPr marL="9525" marR="9525" marT="9525" marB="0" anchor="b"/>
                 </a:tc>
+                <a:extLst>
+                  <a:ext uri="{0D108BD9-81ED-4DB2-BD59-A6C34878D82A}">
+                    <a16:rowId xmlns:a16="http://schemas.microsoft.com/office/drawing/2014/main" val="10010"/>
+                  </a:ext>
+                </a:extLst>
               </a:tr>
             </a:tbl>
           </a:graphicData>
@@ -12733,7 +13725,7 @@
         <p:spPr/>
         <p:txBody>
           <a:bodyPr>
-            <a:normAutofit fontScale="47500" lnSpcReduction="20000"/>
+            <a:normAutofit fontScale="40000" lnSpcReduction="20000"/>
           </a:bodyPr>
           <a:lstStyle/>
           <a:p>
@@ -13047,7 +14039,11 @@
           <a:bodyPr/>
           <a:lstStyle/>
           <a:p>
-            <a:endParaRPr lang="pt-BR"/>
+            <a:r>
+              <a:rPr lang="pt-BR" dirty="0" smtClean="0"/>
+              <a:t>ISO 9001</a:t>
+            </a:r>
+            <a:endParaRPr lang="pt-BR" dirty="0"/>
           </a:p>
         </p:txBody>
       </p:sp>
@@ -13063,10 +14059,71 @@
         </p:nvSpPr>
         <p:spPr/>
         <p:txBody>
-          <a:bodyPr/>
+          <a:bodyPr>
+            <a:normAutofit/>
+          </a:bodyPr>
           <a:lstStyle/>
           <a:p>
-            <a:endParaRPr lang="pt-BR"/>
+            <a:pPr algn="just"/>
+            <a:r>
+              <a:rPr lang="pt-BR" sz="2000" dirty="0"/>
+              <a:t>U</a:t>
+            </a:r>
+            <a:r>
+              <a:rPr lang="pt-BR" sz="2000" dirty="0" smtClean="0"/>
+              <a:t>tilizada </a:t>
+            </a:r>
+            <a:r>
+              <a:rPr lang="pt-BR" sz="2000" dirty="0"/>
+              <a:t>pelas companhias para controlar seus sistemas de qualidade durante todo o ciclo de desenvolvimento dos produtos, desde o projeto até o </a:t>
+            </a:r>
+            <a:r>
+              <a:rPr lang="pt-BR" sz="2000" dirty="0" smtClean="0"/>
+              <a:t>serviço;</a:t>
+            </a:r>
+          </a:p>
+          <a:p>
+            <a:pPr algn="just"/>
+            <a:r>
+              <a:rPr lang="pt-BR" sz="2000" dirty="0"/>
+              <a:t>Esta Norma especifica os requisitos para um sistema de gerenciamento da qualidade quando uma organização:</a:t>
+            </a:r>
+          </a:p>
+          <a:p>
+            <a:pPr lvl="1" algn="just"/>
+            <a:r>
+              <a:rPr lang="pt-BR" sz="1800" dirty="0"/>
+              <a:t>Precisa demonstrar sua capacidade de fornecer consistentemente produtos e serviços que atendam ao cliente e aos requisitos estatutários e regulamentares aplicáveis e;</a:t>
+            </a:r>
+            <a:endParaRPr lang="en-US" sz="1500" dirty="0"/>
+          </a:p>
+          <a:p>
+            <a:pPr lvl="1" algn="just"/>
+            <a:r>
+              <a:rPr lang="pt-BR" sz="1800" dirty="0"/>
+              <a:t>Visa aumentar a satisfação do cliente através da aplicação eficaz de o sistema, incluindo processos para melhoria do sistema e garantia de conformidade com o cliente e requisitos estatutários e regulamentares aplicáveis</a:t>
+            </a:r>
+            <a:r>
+              <a:rPr lang="pt-BR" sz="1800" dirty="0" smtClean="0"/>
+              <a:t>.</a:t>
+            </a:r>
+            <a:endParaRPr lang="pt-BR" sz="2000" dirty="0" smtClean="0"/>
+          </a:p>
+          <a:p>
+            <a:pPr lvl="1" algn="just"/>
+            <a:endParaRPr lang="pt-BR" sz="2000" dirty="0" smtClean="0"/>
+          </a:p>
+          <a:p>
+            <a:pPr algn="just"/>
+            <a:r>
+              <a:rPr lang="pt-BR" sz="2000" dirty="0"/>
+              <a:t>Única norma da família que emite certificado</a:t>
+            </a:r>
+            <a:r>
+              <a:rPr lang="pt-BR" sz="2000" dirty="0" smtClean="0"/>
+              <a:t>.</a:t>
+            </a:r>
+            <a:endParaRPr lang="pt-BR" sz="2000" dirty="0"/>
           </a:p>
         </p:txBody>
       </p:sp>
@@ -13087,6 +14144,278 @@
       </p:par>
     </p:tnLst>
   </p:timing>
+</p:sld>
+</file>
+
+<file path=ppt/slides/slide28.xml><?xml version="1.0" encoding="utf-8"?>
+<p:sld xmlns:a="http://schemas.openxmlformats.org/drawingml/2006/main" xmlns:r="http://schemas.openxmlformats.org/officeDocument/2006/relationships" xmlns:p="http://schemas.openxmlformats.org/presentationml/2006/main">
+  <p:cSld>
+    <p:spTree>
+      <p:nvGrpSpPr>
+        <p:cNvPr id="1" name=""/>
+        <p:cNvGrpSpPr/>
+        <p:nvPr/>
+      </p:nvGrpSpPr>
+      <p:grpSpPr>
+        <a:xfrm>
+          <a:off x="0" y="0"/>
+          <a:ext cx="0" cy="0"/>
+          <a:chOff x="0" y="0"/>
+          <a:chExt cx="0" cy="0"/>
+        </a:xfrm>
+      </p:grpSpPr>
+      <p:sp>
+        <p:nvSpPr>
+          <p:cNvPr id="2" name="Título 1"/>
+          <p:cNvSpPr>
+            <a:spLocks noGrp="1"/>
+          </p:cNvSpPr>
+          <p:nvPr>
+            <p:ph type="title"/>
+          </p:nvPr>
+        </p:nvSpPr>
+        <p:spPr/>
+        <p:txBody>
+          <a:bodyPr/>
+          <a:lstStyle/>
+          <a:p>
+            <a:r>
+              <a:rPr lang="pt-BR" dirty="0" smtClean="0"/>
+              <a:t>Certificação</a:t>
+            </a:r>
+            <a:endParaRPr lang="en-US" dirty="0"/>
+          </a:p>
+        </p:txBody>
+      </p:sp>
+      <p:sp>
+        <p:nvSpPr>
+          <p:cNvPr id="3" name="Espaço Reservado para Conteúdo 2"/>
+          <p:cNvSpPr>
+            <a:spLocks noGrp="1"/>
+          </p:cNvSpPr>
+          <p:nvPr>
+            <p:ph idx="1"/>
+          </p:nvPr>
+        </p:nvSpPr>
+        <p:spPr/>
+        <p:txBody>
+          <a:bodyPr>
+            <a:normAutofit fontScale="77500" lnSpcReduction="20000"/>
+          </a:bodyPr>
+          <a:lstStyle/>
+          <a:p>
+            <a:pPr marL="82296" indent="0" algn="just">
+              <a:buNone/>
+            </a:pPr>
+            <a:r>
+              <a:rPr lang="pt-BR" dirty="0" smtClean="0"/>
+              <a:t>	</a:t>
+            </a:r>
+            <a:r>
+              <a:rPr lang="pt-BR" sz="2900" dirty="0" smtClean="0"/>
+              <a:t>Certificação</a:t>
+            </a:r>
+            <a:r>
+              <a:rPr lang="pt-BR" sz="2900" dirty="0"/>
+              <a:t> é um documento/declaração formal de comprovação da qualidade/capacidade emitida por quem tenha credibilidade ou autoridade legal/moral</a:t>
+            </a:r>
+            <a:r>
+              <a:rPr lang="pt-BR" sz="2900" dirty="0" smtClean="0"/>
+              <a:t>.</a:t>
+            </a:r>
+          </a:p>
+          <a:p>
+            <a:pPr marL="82296" indent="0" algn="just">
+              <a:buNone/>
+            </a:pPr>
+            <a:endParaRPr lang="pt-BR" sz="2900" dirty="0" smtClean="0"/>
+          </a:p>
+          <a:p>
+            <a:pPr marL="82296" indent="0" algn="just">
+              <a:buNone/>
+            </a:pPr>
+            <a:r>
+              <a:rPr lang="pt-BR" sz="2900" dirty="0" smtClean="0"/>
+              <a:t>Tipos de Certificação:</a:t>
+            </a:r>
+            <a:endParaRPr lang="en-US" sz="2900" dirty="0"/>
+          </a:p>
+          <a:p>
+            <a:pPr lvl="0" algn="just"/>
+            <a:r>
+              <a:rPr lang="pt-BR" sz="2900" b="1" dirty="0"/>
+              <a:t>Certificação de Produtos e Serviços:</a:t>
+            </a:r>
+            <a:r>
+              <a:rPr lang="pt-BR" sz="2900" dirty="0"/>
+              <a:t> </a:t>
+            </a:r>
+            <a:r>
+              <a:rPr lang="pt-BR" sz="2900" dirty="0" smtClean="0"/>
+              <a:t>maneira </a:t>
+            </a:r>
+            <a:r>
+              <a:rPr lang="pt-BR" sz="2900" dirty="0"/>
+              <a:t>de atestar a conformidade de um produto com os requisitos </a:t>
+            </a:r>
+            <a:r>
+              <a:rPr lang="pt-BR" sz="2900" dirty="0" smtClean="0"/>
+              <a:t>especificados.</a:t>
+            </a:r>
+            <a:endParaRPr lang="en-US" sz="2900" dirty="0"/>
+          </a:p>
+          <a:p>
+            <a:pPr lvl="0" algn="just"/>
+            <a:r>
+              <a:rPr lang="pt-BR" sz="2900" b="1" dirty="0"/>
+              <a:t>Certificação de Pessoas:</a:t>
+            </a:r>
+            <a:r>
+              <a:rPr lang="pt-BR" sz="2900" dirty="0"/>
+              <a:t> </a:t>
+            </a:r>
+            <a:r>
+              <a:rPr lang="pt-BR" sz="2900" dirty="0" smtClean="0"/>
+              <a:t>maneira </a:t>
+            </a:r>
+            <a:r>
+              <a:rPr lang="pt-BR" sz="2900" dirty="0"/>
+              <a:t>de comprovar a qualificação de uma pessoa/profissional, com base em seus conhecimentos, habilidades e atitudes.</a:t>
+            </a:r>
+            <a:endParaRPr lang="en-US" sz="2900" dirty="0"/>
+          </a:p>
+          <a:p>
+            <a:pPr lvl="0" algn="just"/>
+            <a:r>
+              <a:rPr lang="pt-BR" sz="2900" b="1" dirty="0"/>
+              <a:t>Certificação de Sistemas de Gestão:</a:t>
+            </a:r>
+            <a:r>
+              <a:rPr lang="pt-BR" sz="2900" dirty="0"/>
+              <a:t> </a:t>
+            </a:r>
+            <a:r>
+              <a:rPr lang="pt-BR" sz="2900" dirty="0" smtClean="0"/>
+              <a:t>comprovar </a:t>
+            </a:r>
+            <a:r>
+              <a:rPr lang="pt-BR" sz="2900" dirty="0"/>
+              <a:t>a conformidade com os requisitos normativos de fabricantes/prestadores, de acordo com modelos de gestão.</a:t>
+            </a:r>
+            <a:endParaRPr lang="en-US" sz="2900" dirty="0"/>
+          </a:p>
+          <a:p>
+            <a:endParaRPr lang="en-US" dirty="0"/>
+          </a:p>
+        </p:txBody>
+      </p:sp>
+    </p:spTree>
+    <p:extLst>
+      <p:ext uri="{BB962C8B-B14F-4D97-AF65-F5344CB8AC3E}">
+        <p14:creationId xmlns:p14="http://schemas.microsoft.com/office/powerpoint/2010/main" val="2580008478"/>
+      </p:ext>
+    </p:extLst>
+  </p:cSld>
+  <p:clrMapOvr>
+    <a:masterClrMapping/>
+  </p:clrMapOvr>
+</p:sld>
+</file>
+
+<file path=ppt/slides/slide29.xml><?xml version="1.0" encoding="utf-8"?>
+<p:sld xmlns:a="http://schemas.openxmlformats.org/drawingml/2006/main" xmlns:r="http://schemas.openxmlformats.org/officeDocument/2006/relationships" xmlns:p="http://schemas.openxmlformats.org/presentationml/2006/main">
+  <p:cSld>
+    <p:spTree>
+      <p:nvGrpSpPr>
+        <p:cNvPr id="1" name=""/>
+        <p:cNvGrpSpPr/>
+        <p:nvPr/>
+      </p:nvGrpSpPr>
+      <p:grpSpPr>
+        <a:xfrm>
+          <a:off x="0" y="0"/>
+          <a:ext cx="0" cy="0"/>
+          <a:chOff x="0" y="0"/>
+          <a:chExt cx="0" cy="0"/>
+        </a:xfrm>
+      </p:grpSpPr>
+      <p:sp>
+        <p:nvSpPr>
+          <p:cNvPr id="2" name="Título 1"/>
+          <p:cNvSpPr>
+            <a:spLocks noGrp="1"/>
+          </p:cNvSpPr>
+          <p:nvPr>
+            <p:ph type="title"/>
+          </p:nvPr>
+        </p:nvSpPr>
+        <p:spPr/>
+        <p:txBody>
+          <a:bodyPr/>
+          <a:lstStyle/>
+          <a:p>
+            <a:r>
+              <a:rPr lang="pt-BR" dirty="0" smtClean="0"/>
+              <a:t>Certificação</a:t>
+            </a:r>
+            <a:endParaRPr lang="en-US" dirty="0"/>
+          </a:p>
+        </p:txBody>
+      </p:sp>
+      <p:sp>
+        <p:nvSpPr>
+          <p:cNvPr id="3" name="Espaço Reservado para Conteúdo 2"/>
+          <p:cNvSpPr>
+            <a:spLocks noGrp="1"/>
+          </p:cNvSpPr>
+          <p:nvPr>
+            <p:ph idx="1"/>
+          </p:nvPr>
+        </p:nvSpPr>
+        <p:spPr/>
+        <p:txBody>
+          <a:bodyPr>
+            <a:normAutofit/>
+          </a:bodyPr>
+          <a:lstStyle/>
+          <a:p>
+            <a:pPr marL="82296" indent="0">
+              <a:buNone/>
+            </a:pPr>
+            <a:r>
+              <a:rPr lang="pt-BR" sz="2400" i="1" dirty="0"/>
+              <a:t>“Certificação é um processo no qual uma entidade independente (3ª parte) avalia se determinado produto atende às normas técnicas. Esta avaliação se baseia em auditorias no processo produtivo, na coleta e em ensaios de amostras</a:t>
+            </a:r>
+            <a:r>
+              <a:rPr lang="pt-BR" sz="2400" i="1" dirty="0" smtClean="0"/>
+              <a:t>.” (ABNT, 2018)</a:t>
+            </a:r>
+          </a:p>
+          <a:p>
+            <a:pPr marL="82296" indent="0">
+              <a:buNone/>
+            </a:pPr>
+            <a:endParaRPr lang="en-US" dirty="0"/>
+          </a:p>
+          <a:p>
+            <a:r>
+              <a:rPr lang="pt-BR" sz="2800" dirty="0"/>
+              <a:t>A certificação é uma maneira de ratificar o comprometimento com a conformidade, qualidade e segurança, a fim de elevar a qualidade de produtos e serviços, além de agregar valor. </a:t>
+            </a:r>
+            <a:endParaRPr lang="en-US" dirty="0"/>
+          </a:p>
+        </p:txBody>
+      </p:sp>
+    </p:spTree>
+    <p:extLst>
+      <p:ext uri="{BB962C8B-B14F-4D97-AF65-F5344CB8AC3E}">
+        <p14:creationId xmlns:p14="http://schemas.microsoft.com/office/powerpoint/2010/main" val="1181117101"/>
+      </p:ext>
+    </p:extLst>
+  </p:cSld>
+  <p:clrMapOvr>
+    <a:masterClrMapping/>
+  </p:clrMapOvr>
 </p:sld>
 </file>
 
@@ -13287,6 +14616,1035 @@
 </p:sld>
 </file>
 
+<file path=ppt/slides/slide30.xml><?xml version="1.0" encoding="utf-8"?>
+<p:sld xmlns:a="http://schemas.openxmlformats.org/drawingml/2006/main" xmlns:r="http://schemas.openxmlformats.org/officeDocument/2006/relationships" xmlns:p="http://schemas.openxmlformats.org/presentationml/2006/main">
+  <p:cSld>
+    <p:spTree>
+      <p:nvGrpSpPr>
+        <p:cNvPr id="1" name=""/>
+        <p:cNvGrpSpPr/>
+        <p:nvPr/>
+      </p:nvGrpSpPr>
+      <p:grpSpPr>
+        <a:xfrm>
+          <a:off x="0" y="0"/>
+          <a:ext cx="0" cy="0"/>
+          <a:chOff x="0" y="0"/>
+          <a:chExt cx="0" cy="0"/>
+        </a:xfrm>
+      </p:grpSpPr>
+      <p:sp>
+        <p:nvSpPr>
+          <p:cNvPr id="2" name="Título 1"/>
+          <p:cNvSpPr>
+            <a:spLocks noGrp="1"/>
+          </p:cNvSpPr>
+          <p:nvPr>
+            <p:ph type="title"/>
+          </p:nvPr>
+        </p:nvSpPr>
+        <p:spPr/>
+        <p:txBody>
+          <a:bodyPr/>
+          <a:lstStyle/>
+          <a:p>
+            <a:r>
+              <a:rPr lang="pt-BR" dirty="0" smtClean="0"/>
+              <a:t>Certificação ISO 9001</a:t>
+            </a:r>
+            <a:endParaRPr lang="en-US" dirty="0"/>
+          </a:p>
+        </p:txBody>
+      </p:sp>
+      <p:sp>
+        <p:nvSpPr>
+          <p:cNvPr id="3" name="Espaço Reservado para Conteúdo 2"/>
+          <p:cNvSpPr>
+            <a:spLocks noGrp="1"/>
+          </p:cNvSpPr>
+          <p:nvPr>
+            <p:ph idx="1"/>
+          </p:nvPr>
+        </p:nvSpPr>
+        <p:spPr/>
+        <p:txBody>
+          <a:bodyPr>
+            <a:normAutofit/>
+          </a:bodyPr>
+          <a:lstStyle/>
+          <a:p>
+            <a:pPr marL="82296" indent="0" algn="just">
+              <a:buNone/>
+            </a:pPr>
+            <a:r>
+              <a:rPr lang="pt-BR" dirty="0" smtClean="0"/>
+              <a:t>De </a:t>
+            </a:r>
+            <a:r>
+              <a:rPr lang="pt-BR" dirty="0"/>
+              <a:t>acordo com as métricas estabelecidas na norma ISO 9001, a certificação tem o intuito de avaliar devidamente se os requisitos foram aplicados no âmbito de uma Gestão de Qualidade satisfatória.</a:t>
+            </a:r>
+          </a:p>
+          <a:p>
+            <a:pPr marL="82296" indent="0" algn="just">
+              <a:buNone/>
+            </a:pPr>
+            <a:r>
+              <a:rPr lang="pt-BR" dirty="0"/>
+              <a:t>Inicialmente é necessário diferenciar a implementação e a certificação ISO 9001</a:t>
+            </a:r>
+            <a:r>
+              <a:rPr lang="pt-BR" dirty="0" smtClean="0"/>
+              <a:t>.</a:t>
+            </a:r>
+            <a:endParaRPr lang="pt-BR" dirty="0"/>
+          </a:p>
+        </p:txBody>
+      </p:sp>
+    </p:spTree>
+    <p:extLst>
+      <p:ext uri="{BB962C8B-B14F-4D97-AF65-F5344CB8AC3E}">
+        <p14:creationId xmlns:p14="http://schemas.microsoft.com/office/powerpoint/2010/main" val="4172814130"/>
+      </p:ext>
+    </p:extLst>
+  </p:cSld>
+  <p:clrMapOvr>
+    <a:masterClrMapping/>
+  </p:clrMapOvr>
+</p:sld>
+</file>
+
+<file path=ppt/slides/slide31.xml><?xml version="1.0" encoding="utf-8"?>
+<p:sld xmlns:a="http://schemas.openxmlformats.org/drawingml/2006/main" xmlns:r="http://schemas.openxmlformats.org/officeDocument/2006/relationships" xmlns:p="http://schemas.openxmlformats.org/presentationml/2006/main">
+  <p:cSld>
+    <p:spTree>
+      <p:nvGrpSpPr>
+        <p:cNvPr id="1" name=""/>
+        <p:cNvGrpSpPr/>
+        <p:nvPr/>
+      </p:nvGrpSpPr>
+      <p:grpSpPr>
+        <a:xfrm>
+          <a:off x="0" y="0"/>
+          <a:ext cx="0" cy="0"/>
+          <a:chOff x="0" y="0"/>
+          <a:chExt cx="0" cy="0"/>
+        </a:xfrm>
+      </p:grpSpPr>
+      <p:sp>
+        <p:nvSpPr>
+          <p:cNvPr id="2" name="Título 1"/>
+          <p:cNvSpPr>
+            <a:spLocks noGrp="1"/>
+          </p:cNvSpPr>
+          <p:nvPr>
+            <p:ph type="title"/>
+          </p:nvPr>
+        </p:nvSpPr>
+        <p:spPr/>
+        <p:txBody>
+          <a:bodyPr/>
+          <a:lstStyle/>
+          <a:p>
+            <a:r>
+              <a:rPr lang="pt-BR" dirty="0" smtClean="0"/>
+              <a:t>Certificação ISO 9001</a:t>
+            </a:r>
+            <a:endParaRPr lang="en-US" dirty="0"/>
+          </a:p>
+        </p:txBody>
+      </p:sp>
+      <p:sp>
+        <p:nvSpPr>
+          <p:cNvPr id="3" name="Espaço Reservado para Conteúdo 2"/>
+          <p:cNvSpPr>
+            <a:spLocks noGrp="1"/>
+          </p:cNvSpPr>
+          <p:nvPr>
+            <p:ph idx="1"/>
+          </p:nvPr>
+        </p:nvSpPr>
+        <p:spPr/>
+        <p:txBody>
+          <a:bodyPr>
+            <a:normAutofit fontScale="92500"/>
+          </a:bodyPr>
+          <a:lstStyle/>
+          <a:p>
+            <a:pPr marL="82296" indent="0" algn="just">
+              <a:buNone/>
+            </a:pPr>
+            <a:r>
+              <a:rPr lang="pt-BR" dirty="0"/>
+              <a:t>A implementação é a adequação dos processos de uma empresa as métricas estabelecidas pela norma ISO 9001, para que assim possa se obter uma certificação.</a:t>
+            </a:r>
+          </a:p>
+          <a:p>
+            <a:pPr marL="82296" indent="0" algn="just">
+              <a:buNone/>
+            </a:pPr>
+            <a:r>
+              <a:rPr lang="pt-BR" dirty="0"/>
+              <a:t>A certificação é o processo de avaliação da implementação. </a:t>
+            </a:r>
+            <a:r>
+              <a:rPr lang="pt-BR" dirty="0" smtClean="0"/>
+              <a:t>Apesar </a:t>
+            </a:r>
+            <a:r>
+              <a:rPr lang="pt-BR" dirty="0"/>
+              <a:t>de tratar-se de coisas totalmente diferentes, estas duas etapas têm objetivos semelhantes, a obtenção de uma qualidade total.</a:t>
+            </a:r>
+            <a:endParaRPr lang="pt-BR" dirty="0"/>
+          </a:p>
+        </p:txBody>
+      </p:sp>
+    </p:spTree>
+    <p:extLst>
+      <p:ext uri="{BB962C8B-B14F-4D97-AF65-F5344CB8AC3E}">
+        <p14:creationId xmlns:p14="http://schemas.microsoft.com/office/powerpoint/2010/main" val="2403132598"/>
+      </p:ext>
+    </p:extLst>
+  </p:cSld>
+  <p:clrMapOvr>
+    <a:masterClrMapping/>
+  </p:clrMapOvr>
+</p:sld>
+</file>
+
+<file path=ppt/slides/slide32.xml><?xml version="1.0" encoding="utf-8"?>
+<p:sld xmlns:a="http://schemas.openxmlformats.org/drawingml/2006/main" xmlns:r="http://schemas.openxmlformats.org/officeDocument/2006/relationships" xmlns:p="http://schemas.openxmlformats.org/presentationml/2006/main">
+  <p:cSld>
+    <p:spTree>
+      <p:nvGrpSpPr>
+        <p:cNvPr id="1" name=""/>
+        <p:cNvGrpSpPr/>
+        <p:nvPr/>
+      </p:nvGrpSpPr>
+      <p:grpSpPr>
+        <a:xfrm>
+          <a:off x="0" y="0"/>
+          <a:ext cx="0" cy="0"/>
+          <a:chOff x="0" y="0"/>
+          <a:chExt cx="0" cy="0"/>
+        </a:xfrm>
+      </p:grpSpPr>
+      <p:sp>
+        <p:nvSpPr>
+          <p:cNvPr id="2" name="Título 1"/>
+          <p:cNvSpPr>
+            <a:spLocks noGrp="1"/>
+          </p:cNvSpPr>
+          <p:nvPr>
+            <p:ph type="title"/>
+          </p:nvPr>
+        </p:nvSpPr>
+        <p:spPr/>
+        <p:txBody>
+          <a:bodyPr/>
+          <a:lstStyle/>
+          <a:p>
+            <a:r>
+              <a:rPr lang="pt-BR" dirty="0" smtClean="0"/>
+              <a:t>Organismo Certificador</a:t>
+            </a:r>
+            <a:endParaRPr lang="en-US" dirty="0"/>
+          </a:p>
+        </p:txBody>
+      </p:sp>
+      <p:sp>
+        <p:nvSpPr>
+          <p:cNvPr id="3" name="Espaço Reservado para Conteúdo 2"/>
+          <p:cNvSpPr>
+            <a:spLocks noGrp="1"/>
+          </p:cNvSpPr>
+          <p:nvPr>
+            <p:ph idx="1"/>
+          </p:nvPr>
+        </p:nvSpPr>
+        <p:spPr/>
+        <p:txBody>
+          <a:bodyPr>
+            <a:normAutofit fontScale="85000" lnSpcReduction="20000"/>
+          </a:bodyPr>
+          <a:lstStyle/>
+          <a:p>
+            <a:pPr marL="82296" indent="0" algn="just">
+              <a:buNone/>
+            </a:pPr>
+            <a:r>
+              <a:rPr lang="pt-BR" dirty="0" smtClean="0"/>
+              <a:t>São </a:t>
+            </a:r>
+            <a:r>
+              <a:rPr lang="pt-BR" dirty="0"/>
+              <a:t>os responsáveis pela recomendação do certificado de qualidade, como consequência, dar direito à empresa auditada e aprovada para usar o logotipo do órgão certificador. Estes organismos certificadores podem também realizar auditorias para manutenção de empresas interessadas na certificação. </a:t>
+            </a:r>
+            <a:endParaRPr lang="pt-BR" dirty="0" smtClean="0"/>
+          </a:p>
+          <a:p>
+            <a:pPr marL="82296" indent="0" algn="just">
+              <a:buNone/>
+            </a:pPr>
+            <a:r>
+              <a:rPr lang="pt-BR" dirty="0" smtClean="0"/>
+              <a:t>No </a:t>
+            </a:r>
+            <a:r>
+              <a:rPr lang="pt-BR" dirty="0"/>
+              <a:t>Brasil, a ABNT (Associação Brasileira de Normas Técnicas), fundada em 1940, é a responsável por emitir certificações e normalização técnica no país, fornecendo a base necessária ao desenvolvimento tecnológico brasileiro.</a:t>
+            </a:r>
+            <a:endParaRPr lang="en-US" dirty="0"/>
+          </a:p>
+          <a:p>
+            <a:pPr marL="82296" indent="0">
+              <a:buNone/>
+            </a:pPr>
+            <a:endParaRPr lang="en-US" dirty="0"/>
+          </a:p>
+        </p:txBody>
+      </p:sp>
+    </p:spTree>
+    <p:extLst>
+      <p:ext uri="{BB962C8B-B14F-4D97-AF65-F5344CB8AC3E}">
+        <p14:creationId xmlns:p14="http://schemas.microsoft.com/office/powerpoint/2010/main" val="844403440"/>
+      </p:ext>
+    </p:extLst>
+  </p:cSld>
+  <p:clrMapOvr>
+    <a:masterClrMapping/>
+  </p:clrMapOvr>
+</p:sld>
+</file>
+
+<file path=ppt/slides/slide33.xml><?xml version="1.0" encoding="utf-8"?>
+<p:sld xmlns:a="http://schemas.openxmlformats.org/drawingml/2006/main" xmlns:r="http://schemas.openxmlformats.org/officeDocument/2006/relationships" xmlns:p="http://schemas.openxmlformats.org/presentationml/2006/main">
+  <p:cSld>
+    <p:spTree>
+      <p:nvGrpSpPr>
+        <p:cNvPr id="1" name=""/>
+        <p:cNvGrpSpPr/>
+        <p:nvPr/>
+      </p:nvGrpSpPr>
+      <p:grpSpPr>
+        <a:xfrm>
+          <a:off x="0" y="0"/>
+          <a:ext cx="0" cy="0"/>
+          <a:chOff x="0" y="0"/>
+          <a:chExt cx="0" cy="0"/>
+        </a:xfrm>
+      </p:grpSpPr>
+      <p:sp>
+        <p:nvSpPr>
+          <p:cNvPr id="2" name="Título 1"/>
+          <p:cNvSpPr>
+            <a:spLocks noGrp="1"/>
+          </p:cNvSpPr>
+          <p:nvPr>
+            <p:ph type="title"/>
+          </p:nvPr>
+        </p:nvSpPr>
+        <p:spPr/>
+        <p:txBody>
+          <a:bodyPr/>
+          <a:lstStyle/>
+          <a:p>
+            <a:r>
+              <a:rPr lang="pt-BR" dirty="0" smtClean="0"/>
+              <a:t>Acreditador</a:t>
+            </a:r>
+            <a:endParaRPr lang="en-US" dirty="0"/>
+          </a:p>
+        </p:txBody>
+      </p:sp>
+      <p:sp>
+        <p:nvSpPr>
+          <p:cNvPr id="3" name="Espaço Reservado para Conteúdo 2"/>
+          <p:cNvSpPr>
+            <a:spLocks noGrp="1"/>
+          </p:cNvSpPr>
+          <p:nvPr>
+            <p:ph idx="1"/>
+          </p:nvPr>
+        </p:nvSpPr>
+        <p:spPr/>
+        <p:txBody>
+          <a:bodyPr>
+            <a:normAutofit/>
+          </a:bodyPr>
+          <a:lstStyle/>
+          <a:p>
+            <a:pPr algn="just"/>
+            <a:r>
+              <a:rPr lang="pt-BR" dirty="0"/>
+              <a:t>O acreditador é órgão responsável por avaliar, de acordo com métricas estabelecidas pela </a:t>
+            </a:r>
+            <a:r>
+              <a:rPr lang="pt-BR" dirty="0" smtClean="0"/>
+              <a:t>ISO.</a:t>
+            </a:r>
+            <a:endParaRPr lang="en-US" dirty="0"/>
+          </a:p>
+          <a:p>
+            <a:pPr algn="just"/>
+            <a:r>
+              <a:rPr lang="pt-BR" dirty="0"/>
+              <a:t>No Brasil, o Inmetro (Instituto Nacional de Metrologia, Normalização e Qualidade Industrial) é uma autarquia federal e o organismo acreditador da ISO, vinculado ao Ministério da Economia.</a:t>
+            </a:r>
+            <a:endParaRPr lang="en-US" dirty="0"/>
+          </a:p>
+        </p:txBody>
+      </p:sp>
+    </p:spTree>
+    <p:extLst>
+      <p:ext uri="{BB962C8B-B14F-4D97-AF65-F5344CB8AC3E}">
+        <p14:creationId xmlns:p14="http://schemas.microsoft.com/office/powerpoint/2010/main" val="1261288028"/>
+      </p:ext>
+    </p:extLst>
+  </p:cSld>
+  <p:clrMapOvr>
+    <a:masterClrMapping/>
+  </p:clrMapOvr>
+</p:sld>
+</file>
+
+<file path=ppt/slides/slide34.xml><?xml version="1.0" encoding="utf-8"?>
+<p:sld xmlns:a="http://schemas.openxmlformats.org/drawingml/2006/main" xmlns:r="http://schemas.openxmlformats.org/officeDocument/2006/relationships" xmlns:p="http://schemas.openxmlformats.org/presentationml/2006/main">
+  <p:cSld>
+    <p:spTree>
+      <p:nvGrpSpPr>
+        <p:cNvPr id="1" name=""/>
+        <p:cNvGrpSpPr/>
+        <p:nvPr/>
+      </p:nvGrpSpPr>
+      <p:grpSpPr>
+        <a:xfrm>
+          <a:off x="0" y="0"/>
+          <a:ext cx="0" cy="0"/>
+          <a:chOff x="0" y="0"/>
+          <a:chExt cx="0" cy="0"/>
+        </a:xfrm>
+      </p:grpSpPr>
+      <p:sp>
+        <p:nvSpPr>
+          <p:cNvPr id="2" name="Título 1"/>
+          <p:cNvSpPr>
+            <a:spLocks noGrp="1"/>
+          </p:cNvSpPr>
+          <p:nvPr>
+            <p:ph type="title"/>
+          </p:nvPr>
+        </p:nvSpPr>
+        <p:spPr/>
+        <p:txBody>
+          <a:bodyPr/>
+          <a:lstStyle/>
+          <a:p>
+            <a:r>
+              <a:rPr lang="pt-BR" dirty="0" smtClean="0"/>
+              <a:t>Acreditação</a:t>
+            </a:r>
+            <a:endParaRPr lang="en-US" dirty="0"/>
+          </a:p>
+        </p:txBody>
+      </p:sp>
+      <p:sp>
+        <p:nvSpPr>
+          <p:cNvPr id="3" name="Espaço Reservado para Conteúdo 2"/>
+          <p:cNvSpPr>
+            <a:spLocks noGrp="1"/>
+          </p:cNvSpPr>
+          <p:nvPr>
+            <p:ph idx="1"/>
+          </p:nvPr>
+        </p:nvSpPr>
+        <p:spPr/>
+        <p:txBody>
+          <a:bodyPr>
+            <a:normAutofit fontScale="85000" lnSpcReduction="10000"/>
+          </a:bodyPr>
+          <a:lstStyle/>
+          <a:p>
+            <a:pPr algn="just"/>
+            <a:r>
+              <a:rPr lang="pt-BR" dirty="0"/>
+              <a:t>Estes órgãos têm como finalidade acreditar organismos de certificação, organismos de inspeção, organismos de treinamento, laboratórios de calibração e laboratórios de ensaios. Em definição no site do INMETRO, acreditação trata-se de:</a:t>
+            </a:r>
+            <a:endParaRPr lang="en-US" dirty="0"/>
+          </a:p>
+          <a:p>
+            <a:pPr algn="just"/>
+            <a:r>
+              <a:rPr lang="pt-BR" i="1" dirty="0"/>
+              <a:t>“A acreditação é uma ferramenta estabelecida em escala internacional para gerar confiança na atuação de organizações que executam atividades de avaliação da conformidade.” </a:t>
+            </a:r>
+            <a:r>
+              <a:rPr lang="pt-BR" dirty="0"/>
+              <a:t>(Inmetro, 2019).</a:t>
+            </a:r>
+            <a:endParaRPr lang="en-US" dirty="0"/>
+          </a:p>
+          <a:p>
+            <a:pPr marL="82296" indent="0" algn="just">
+              <a:buNone/>
+            </a:pPr>
+            <a:endParaRPr lang="en-US" dirty="0"/>
+          </a:p>
+        </p:txBody>
+      </p:sp>
+    </p:spTree>
+    <p:extLst>
+      <p:ext uri="{BB962C8B-B14F-4D97-AF65-F5344CB8AC3E}">
+        <p14:creationId xmlns:p14="http://schemas.microsoft.com/office/powerpoint/2010/main" val="4135653128"/>
+      </p:ext>
+    </p:extLst>
+  </p:cSld>
+  <p:clrMapOvr>
+    <a:masterClrMapping/>
+  </p:clrMapOvr>
+</p:sld>
+</file>
+
+<file path=ppt/slides/slide35.xml><?xml version="1.0" encoding="utf-8"?>
+<p:sld xmlns:a="http://schemas.openxmlformats.org/drawingml/2006/main" xmlns:r="http://schemas.openxmlformats.org/officeDocument/2006/relationships" xmlns:p="http://schemas.openxmlformats.org/presentationml/2006/main">
+  <p:cSld>
+    <p:spTree>
+      <p:nvGrpSpPr>
+        <p:cNvPr id="1" name=""/>
+        <p:cNvGrpSpPr/>
+        <p:nvPr/>
+      </p:nvGrpSpPr>
+      <p:grpSpPr>
+        <a:xfrm>
+          <a:off x="0" y="0"/>
+          <a:ext cx="0" cy="0"/>
+          <a:chOff x="0" y="0"/>
+          <a:chExt cx="0" cy="0"/>
+        </a:xfrm>
+      </p:grpSpPr>
+      <p:sp>
+        <p:nvSpPr>
+          <p:cNvPr id="2" name="Título 1"/>
+          <p:cNvSpPr>
+            <a:spLocks noGrp="1"/>
+          </p:cNvSpPr>
+          <p:nvPr>
+            <p:ph type="title"/>
+          </p:nvPr>
+        </p:nvSpPr>
+        <p:spPr/>
+        <p:txBody>
+          <a:bodyPr/>
+          <a:lstStyle/>
+          <a:p>
+            <a:r>
+              <a:rPr lang="pt-BR" dirty="0" smtClean="0"/>
+              <a:t>Acreditado</a:t>
+            </a:r>
+            <a:endParaRPr lang="en-US" dirty="0"/>
+          </a:p>
+        </p:txBody>
+      </p:sp>
+      <p:sp>
+        <p:nvSpPr>
+          <p:cNvPr id="3" name="Espaço Reservado para Conteúdo 2"/>
+          <p:cNvSpPr>
+            <a:spLocks noGrp="1"/>
+          </p:cNvSpPr>
+          <p:nvPr>
+            <p:ph idx="1"/>
+          </p:nvPr>
+        </p:nvSpPr>
+        <p:spPr/>
+        <p:txBody>
+          <a:bodyPr>
+            <a:normAutofit fontScale="92500" lnSpcReduction="10000"/>
+          </a:bodyPr>
+          <a:lstStyle/>
+          <a:p>
+            <a:pPr algn="just"/>
+            <a:r>
+              <a:rPr lang="pt-BR" dirty="0" smtClean="0"/>
+              <a:t>Estes </a:t>
+            </a:r>
+            <a:r>
+              <a:rPr lang="pt-BR" dirty="0"/>
+              <a:t>organismos podem ser entidades públicas, privadas ou mistas, sendo possível serem nacionais ou estrangeiras.</a:t>
+            </a:r>
+            <a:endParaRPr lang="en-US" dirty="0"/>
+          </a:p>
+          <a:p>
+            <a:pPr algn="just"/>
+            <a:r>
+              <a:rPr lang="pt-BR" i="1" dirty="0"/>
+              <a:t>“Sua missão é prover </a:t>
+            </a:r>
+            <a:r>
+              <a:rPr lang="pt-BR" i="1" dirty="0" smtClean="0"/>
+              <a:t>confiança </a:t>
+            </a:r>
+            <a:r>
+              <a:rPr lang="pt-BR" i="1" dirty="0"/>
+              <a:t>nas medições e nos produtos, por meio da metrologia e da avaliação da conformidade, promovendo a harmonização das relações de consumo, a inovação e a competitividade do País</a:t>
+            </a:r>
+            <a:r>
+              <a:rPr lang="pt-BR" i="1" dirty="0" smtClean="0"/>
+              <a:t>.”</a:t>
+            </a:r>
+            <a:r>
+              <a:rPr lang="pt-BR" dirty="0" smtClean="0"/>
+              <a:t> (Inmetro</a:t>
+            </a:r>
+            <a:r>
+              <a:rPr lang="pt-BR" dirty="0"/>
+              <a:t>, </a:t>
+            </a:r>
+            <a:r>
+              <a:rPr lang="pt-BR" dirty="0" smtClean="0"/>
+              <a:t>2019)</a:t>
+            </a:r>
+            <a:endParaRPr lang="en-US" dirty="0"/>
+          </a:p>
+          <a:p>
+            <a:pPr algn="just"/>
+            <a:endParaRPr lang="en-US" dirty="0"/>
+          </a:p>
+        </p:txBody>
+      </p:sp>
+    </p:spTree>
+    <p:extLst>
+      <p:ext uri="{BB962C8B-B14F-4D97-AF65-F5344CB8AC3E}">
+        <p14:creationId xmlns:p14="http://schemas.microsoft.com/office/powerpoint/2010/main" val="3534853967"/>
+      </p:ext>
+    </p:extLst>
+  </p:cSld>
+  <p:clrMapOvr>
+    <a:masterClrMapping/>
+  </p:clrMapOvr>
+</p:sld>
+</file>
+
+<file path=ppt/slides/slide36.xml><?xml version="1.0" encoding="utf-8"?>
+<p:sld xmlns:a="http://schemas.openxmlformats.org/drawingml/2006/main" xmlns:r="http://schemas.openxmlformats.org/officeDocument/2006/relationships" xmlns:p="http://schemas.openxmlformats.org/presentationml/2006/main">
+  <p:cSld>
+    <p:spTree>
+      <p:nvGrpSpPr>
+        <p:cNvPr id="1" name=""/>
+        <p:cNvGrpSpPr/>
+        <p:nvPr/>
+      </p:nvGrpSpPr>
+      <p:grpSpPr>
+        <a:xfrm>
+          <a:off x="0" y="0"/>
+          <a:ext cx="0" cy="0"/>
+          <a:chOff x="0" y="0"/>
+          <a:chExt cx="0" cy="0"/>
+        </a:xfrm>
+      </p:grpSpPr>
+      <p:sp>
+        <p:nvSpPr>
+          <p:cNvPr id="2" name="Título 1"/>
+          <p:cNvSpPr>
+            <a:spLocks noGrp="1"/>
+          </p:cNvSpPr>
+          <p:nvPr>
+            <p:ph type="title"/>
+          </p:nvPr>
+        </p:nvSpPr>
+        <p:spPr/>
+        <p:txBody>
+          <a:bodyPr/>
+          <a:lstStyle/>
+          <a:p>
+            <a:r>
+              <a:rPr lang="pt-BR" dirty="0" smtClean="0"/>
+              <a:t>Métodos de Avaliação</a:t>
+            </a:r>
+            <a:endParaRPr lang="en-US" dirty="0"/>
+          </a:p>
+        </p:txBody>
+      </p:sp>
+      <p:sp>
+        <p:nvSpPr>
+          <p:cNvPr id="3" name="Espaço Reservado para Conteúdo 2"/>
+          <p:cNvSpPr>
+            <a:spLocks noGrp="1"/>
+          </p:cNvSpPr>
+          <p:nvPr>
+            <p:ph idx="1"/>
+          </p:nvPr>
+        </p:nvSpPr>
+        <p:spPr/>
+        <p:txBody>
+          <a:bodyPr>
+            <a:normAutofit fontScale="85000" lnSpcReduction="20000"/>
+          </a:bodyPr>
+          <a:lstStyle/>
+          <a:p>
+            <a:pPr marL="82296" indent="0" algn="just">
+              <a:buNone/>
+            </a:pPr>
+            <a:r>
+              <a:rPr lang="pt-BR" dirty="0" smtClean="0"/>
+              <a:t>A </a:t>
+            </a:r>
+            <a:r>
+              <a:rPr lang="pt-BR" dirty="0"/>
+              <a:t>avaliação das empresas é feitas a partir de auditorias, essas auditorias são divididas em duas etapas, implementação e auditoria, respectivamente:</a:t>
+            </a:r>
+          </a:p>
+          <a:p>
+            <a:pPr marL="82296" indent="0" algn="just">
+              <a:buNone/>
+            </a:pPr>
+            <a:r>
+              <a:rPr lang="pt-BR" dirty="0"/>
+              <a:t>A primeira etapa é realizada com visita ou não de um auditor, pois nesta etapa faz-se a checagem de documentos normativos. Estas verificações são:</a:t>
+            </a:r>
+          </a:p>
+          <a:p>
+            <a:pPr marL="82296" indent="0" algn="just">
+              <a:buNone/>
+            </a:pPr>
+            <a:r>
+              <a:rPr lang="pt-BR" dirty="0"/>
+              <a:t>•	Verifica se a empresa atende aos requisitos da norma ISO 9001;</a:t>
+            </a:r>
+          </a:p>
+          <a:p>
+            <a:pPr marL="82296" indent="0" algn="just">
+              <a:buNone/>
+            </a:pPr>
+            <a:r>
+              <a:rPr lang="pt-BR" dirty="0"/>
+              <a:t>•	Se o Sistema de Gestão contempla todos os itens estabelecidos;</a:t>
+            </a:r>
+          </a:p>
+          <a:p>
+            <a:pPr marL="82296" indent="0" algn="just">
+              <a:buNone/>
+            </a:pPr>
+            <a:r>
+              <a:rPr lang="pt-BR" dirty="0"/>
+              <a:t>•	Ajustes necessários, caso necessário.</a:t>
+            </a:r>
+          </a:p>
+          <a:p>
+            <a:pPr marL="82296" indent="0" algn="just">
+              <a:buNone/>
+            </a:pPr>
+            <a:endParaRPr lang="en-US" dirty="0"/>
+          </a:p>
+        </p:txBody>
+      </p:sp>
+    </p:spTree>
+    <p:extLst>
+      <p:ext uri="{BB962C8B-B14F-4D97-AF65-F5344CB8AC3E}">
+        <p14:creationId xmlns:p14="http://schemas.microsoft.com/office/powerpoint/2010/main" val="549428418"/>
+      </p:ext>
+    </p:extLst>
+  </p:cSld>
+  <p:clrMapOvr>
+    <a:masterClrMapping/>
+  </p:clrMapOvr>
+</p:sld>
+</file>
+
+<file path=ppt/slides/slide37.xml><?xml version="1.0" encoding="utf-8"?>
+<p:sld xmlns:a="http://schemas.openxmlformats.org/drawingml/2006/main" xmlns:r="http://schemas.openxmlformats.org/officeDocument/2006/relationships" xmlns:p="http://schemas.openxmlformats.org/presentationml/2006/main">
+  <p:cSld>
+    <p:spTree>
+      <p:nvGrpSpPr>
+        <p:cNvPr id="1" name=""/>
+        <p:cNvGrpSpPr/>
+        <p:nvPr/>
+      </p:nvGrpSpPr>
+      <p:grpSpPr>
+        <a:xfrm>
+          <a:off x="0" y="0"/>
+          <a:ext cx="0" cy="0"/>
+          <a:chOff x="0" y="0"/>
+          <a:chExt cx="0" cy="0"/>
+        </a:xfrm>
+      </p:grpSpPr>
+      <p:sp>
+        <p:nvSpPr>
+          <p:cNvPr id="2" name="Título 1"/>
+          <p:cNvSpPr>
+            <a:spLocks noGrp="1"/>
+          </p:cNvSpPr>
+          <p:nvPr>
+            <p:ph type="title"/>
+          </p:nvPr>
+        </p:nvSpPr>
+        <p:spPr/>
+        <p:txBody>
+          <a:bodyPr/>
+          <a:lstStyle/>
+          <a:p>
+            <a:r>
+              <a:rPr lang="pt-BR" dirty="0" smtClean="0"/>
+              <a:t>Métodos de Avaliação</a:t>
+            </a:r>
+            <a:endParaRPr lang="en-US" dirty="0"/>
+          </a:p>
+        </p:txBody>
+      </p:sp>
+      <p:sp>
+        <p:nvSpPr>
+          <p:cNvPr id="3" name="Espaço Reservado para Conteúdo 2"/>
+          <p:cNvSpPr>
+            <a:spLocks noGrp="1"/>
+          </p:cNvSpPr>
+          <p:nvPr>
+            <p:ph idx="1"/>
+          </p:nvPr>
+        </p:nvSpPr>
+        <p:spPr/>
+        <p:txBody>
+          <a:bodyPr>
+            <a:normAutofit fontScale="92500" lnSpcReduction="10000"/>
+          </a:bodyPr>
+          <a:lstStyle/>
+          <a:p>
+            <a:pPr marL="82296" indent="0" algn="just">
+              <a:buNone/>
+            </a:pPr>
+            <a:r>
+              <a:rPr lang="pt-BR" dirty="0"/>
+              <a:t>Na segunda etapa, conhecida com Auditoria de Conformidade, a </a:t>
+            </a:r>
+            <a:r>
+              <a:rPr lang="pt-BR" dirty="0" smtClean="0"/>
+              <a:t>auditoria </a:t>
+            </a:r>
+            <a:r>
+              <a:rPr lang="pt-BR" dirty="0"/>
+              <a:t>é realizada presencialmente por um auditor. O auditor verifica todos os processos de gestão da empresa, a fim de encontrar conformidade com as métricas da norma ISO 9001, por meio de entrevistas e observação com os responsáveis pelos processos. Caso tudo esteja conforme os requisitos, o auditor irá recomendar a certificação à empresa.</a:t>
+            </a:r>
+            <a:endParaRPr lang="pt-BR" dirty="0"/>
+          </a:p>
+        </p:txBody>
+      </p:sp>
+    </p:spTree>
+    <p:extLst>
+      <p:ext uri="{BB962C8B-B14F-4D97-AF65-F5344CB8AC3E}">
+        <p14:creationId xmlns:p14="http://schemas.microsoft.com/office/powerpoint/2010/main" val="284008674"/>
+      </p:ext>
+    </p:extLst>
+  </p:cSld>
+  <p:clrMapOvr>
+    <a:masterClrMapping/>
+  </p:clrMapOvr>
+</p:sld>
+</file>
+
+<file path=ppt/slides/slide38.xml><?xml version="1.0" encoding="utf-8"?>
+<p:sld xmlns:a="http://schemas.openxmlformats.org/drawingml/2006/main" xmlns:r="http://schemas.openxmlformats.org/officeDocument/2006/relationships" xmlns:p="http://schemas.openxmlformats.org/presentationml/2006/main">
+  <p:cSld>
+    <p:spTree>
+      <p:nvGrpSpPr>
+        <p:cNvPr id="1" name=""/>
+        <p:cNvGrpSpPr/>
+        <p:nvPr/>
+      </p:nvGrpSpPr>
+      <p:grpSpPr>
+        <a:xfrm>
+          <a:off x="0" y="0"/>
+          <a:ext cx="0" cy="0"/>
+          <a:chOff x="0" y="0"/>
+          <a:chExt cx="0" cy="0"/>
+        </a:xfrm>
+      </p:grpSpPr>
+      <p:sp>
+        <p:nvSpPr>
+          <p:cNvPr id="2" name="Título 1"/>
+          <p:cNvSpPr>
+            <a:spLocks noGrp="1"/>
+          </p:cNvSpPr>
+          <p:nvPr>
+            <p:ph type="title"/>
+          </p:nvPr>
+        </p:nvSpPr>
+        <p:spPr/>
+        <p:txBody>
+          <a:bodyPr/>
+          <a:lstStyle/>
+          <a:p>
+            <a:r>
+              <a:rPr lang="pt-BR" dirty="0" smtClean="0"/>
+              <a:t>Aplicabilidade</a:t>
+            </a:r>
+            <a:endParaRPr lang="en-US" dirty="0"/>
+          </a:p>
+        </p:txBody>
+      </p:sp>
+      <p:sp>
+        <p:nvSpPr>
+          <p:cNvPr id="3" name="Espaço Reservado para Conteúdo 2"/>
+          <p:cNvSpPr>
+            <a:spLocks noGrp="1"/>
+          </p:cNvSpPr>
+          <p:nvPr>
+            <p:ph idx="1"/>
+          </p:nvPr>
+        </p:nvSpPr>
+        <p:spPr/>
+        <p:txBody>
+          <a:bodyPr>
+            <a:normAutofit fontScale="77500" lnSpcReduction="20000"/>
+          </a:bodyPr>
+          <a:lstStyle/>
+          <a:p>
+            <a:pPr marL="82296" indent="0" algn="just">
+              <a:buNone/>
+            </a:pPr>
+            <a:r>
+              <a:rPr lang="pt-BR" dirty="0"/>
+              <a:t>Com a facilidade de buscar conhecimento em diversas plataformas, o processo de aplicação de Gestão de Qualidade em empresas passou a ser mais viável, não restringindo empresas por porte ou nível, seja qual for a empresa ou organização que queira implementar as métricas  vigentes das normas da Família ISO 9000. </a:t>
+            </a:r>
+            <a:r>
+              <a:rPr lang="pt-BR" dirty="0" smtClean="0"/>
+              <a:t>Isso </a:t>
+            </a:r>
+            <a:r>
+              <a:rPr lang="pt-BR" dirty="0"/>
+              <a:t>permite que micro, pequenas, médias e grandes instituições tenham condições de conhecer e controlar melhor seu processo, aperfeiçoar ganhos e minimizar perdas, e acima de tudo buscar um alto nível de qualidade em seus produtos e serviços, se tornando uma empresa mais competitiva e mais lucrativa, independente do seu campo de atuação.</a:t>
+            </a:r>
+            <a:endParaRPr lang="en-US" dirty="0"/>
+          </a:p>
+          <a:p>
+            <a:pPr marL="82296" indent="0" algn="just">
+              <a:buNone/>
+            </a:pPr>
+            <a:endParaRPr lang="en-US" dirty="0"/>
+          </a:p>
+        </p:txBody>
+      </p:sp>
+    </p:spTree>
+    <p:extLst>
+      <p:ext uri="{BB962C8B-B14F-4D97-AF65-F5344CB8AC3E}">
+        <p14:creationId xmlns:p14="http://schemas.microsoft.com/office/powerpoint/2010/main" val="2208230841"/>
+      </p:ext>
+    </p:extLst>
+  </p:cSld>
+  <p:clrMapOvr>
+    <a:masterClrMapping/>
+  </p:clrMapOvr>
+</p:sld>
+</file>
+
+<file path=ppt/slides/slide39.xml><?xml version="1.0" encoding="utf-8"?>
+<p:sld xmlns:a="http://schemas.openxmlformats.org/drawingml/2006/main" xmlns:r="http://schemas.openxmlformats.org/officeDocument/2006/relationships" xmlns:p="http://schemas.openxmlformats.org/presentationml/2006/main">
+  <p:cSld>
+    <p:spTree>
+      <p:nvGrpSpPr>
+        <p:cNvPr id="1" name=""/>
+        <p:cNvGrpSpPr/>
+        <p:nvPr/>
+      </p:nvGrpSpPr>
+      <p:grpSpPr>
+        <a:xfrm>
+          <a:off x="0" y="0"/>
+          <a:ext cx="0" cy="0"/>
+          <a:chOff x="0" y="0"/>
+          <a:chExt cx="0" cy="0"/>
+        </a:xfrm>
+      </p:grpSpPr>
+      <p:sp>
+        <p:nvSpPr>
+          <p:cNvPr id="2" name="Título 1"/>
+          <p:cNvSpPr>
+            <a:spLocks noGrp="1"/>
+          </p:cNvSpPr>
+          <p:nvPr>
+            <p:ph type="title"/>
+          </p:nvPr>
+        </p:nvSpPr>
+        <p:spPr/>
+        <p:txBody>
+          <a:bodyPr/>
+          <a:lstStyle/>
+          <a:p>
+            <a:r>
+              <a:rPr lang="pt-BR" dirty="0" smtClean="0"/>
+              <a:t>Tendências Futuras</a:t>
+            </a:r>
+            <a:endParaRPr lang="en-US" dirty="0"/>
+          </a:p>
+        </p:txBody>
+      </p:sp>
+      <p:sp>
+        <p:nvSpPr>
+          <p:cNvPr id="3" name="Espaço Reservado para Conteúdo 2"/>
+          <p:cNvSpPr>
+            <a:spLocks noGrp="1"/>
+          </p:cNvSpPr>
+          <p:nvPr>
+            <p:ph idx="1"/>
+          </p:nvPr>
+        </p:nvSpPr>
+        <p:spPr/>
+        <p:txBody>
+          <a:bodyPr>
+            <a:normAutofit fontScale="85000" lnSpcReduction="10000"/>
+          </a:bodyPr>
+          <a:lstStyle/>
+          <a:p>
+            <a:pPr marL="82296" indent="0" algn="just">
+              <a:buNone/>
+            </a:pPr>
+            <a:r>
+              <a:rPr lang="pt-BR" dirty="0"/>
+              <a:t>O futuro das certificações ISO foram discutidas na 33ª reunião plenária do ISO/TC176, em Bali, em setembro de 2017, onde teve-se um Workshop denominado “</a:t>
+            </a:r>
+            <a:r>
+              <a:rPr lang="pt-BR" i="1" dirty="0"/>
+              <a:t>Future </a:t>
+            </a:r>
+            <a:r>
+              <a:rPr lang="pt-BR" i="1" dirty="0" err="1"/>
+              <a:t>Concepts</a:t>
+            </a:r>
+            <a:r>
+              <a:rPr lang="pt-BR" i="1" dirty="0"/>
+              <a:t> Workshop</a:t>
+            </a:r>
+            <a:r>
+              <a:rPr lang="pt-BR" dirty="0"/>
+              <a:t>”. Lá foram levantados os desafios que a certificação pode passar com o avanço tecnológico atual conforme a imagem </a:t>
+            </a:r>
+            <a:r>
+              <a:rPr lang="pt-BR" dirty="0" smtClean="0"/>
+              <a:t>a seguir. </a:t>
+            </a:r>
+            <a:r>
+              <a:rPr lang="pt-BR" dirty="0"/>
+              <a:t>Além disso, a coleta dos dados acerca da ISO 9001:2015 já foram iniciados. Esses dados servirão de base para a próxima revisão da ISO, provavelmente no ano de 2020, dado os fenômenos macroeconômicos. </a:t>
+            </a:r>
+            <a:endParaRPr lang="en-US" dirty="0"/>
+          </a:p>
+          <a:p>
+            <a:pPr marL="82296" indent="0" algn="just">
+              <a:buNone/>
+            </a:pPr>
+            <a:endParaRPr lang="en-US" dirty="0"/>
+          </a:p>
+        </p:txBody>
+      </p:sp>
+    </p:spTree>
+    <p:extLst>
+      <p:ext uri="{BB962C8B-B14F-4D97-AF65-F5344CB8AC3E}">
+        <p14:creationId xmlns:p14="http://schemas.microsoft.com/office/powerpoint/2010/main" val="3360848327"/>
+      </p:ext>
+    </p:extLst>
+  </p:cSld>
+  <p:clrMapOvr>
+    <a:masterClrMapping/>
+  </p:clrMapOvr>
+</p:sld>
+</file>
+
 <file path=ppt/slides/slide4.xml><?xml version="1.0" encoding="utf-8"?>
 <p:sld xmlns:a="http://schemas.openxmlformats.org/drawingml/2006/main" xmlns:r="http://schemas.openxmlformats.org/officeDocument/2006/relationships" xmlns:p="http://schemas.openxmlformats.org/presentationml/2006/main">
   <p:cSld>
@@ -13418,6 +15776,248 @@
       </p:par>
     </p:tnLst>
   </p:timing>
+</p:sld>
+</file>
+
+<file path=ppt/slides/slide40.xml><?xml version="1.0" encoding="utf-8"?>
+<p:sld xmlns:a="http://schemas.openxmlformats.org/drawingml/2006/main" xmlns:r="http://schemas.openxmlformats.org/officeDocument/2006/relationships" xmlns:p="http://schemas.openxmlformats.org/presentationml/2006/main">
+  <p:cSld>
+    <p:spTree>
+      <p:nvGrpSpPr>
+        <p:cNvPr id="1" name=""/>
+        <p:cNvGrpSpPr/>
+        <p:nvPr/>
+      </p:nvGrpSpPr>
+      <p:grpSpPr>
+        <a:xfrm>
+          <a:off x="0" y="0"/>
+          <a:ext cx="0" cy="0"/>
+          <a:chOff x="0" y="0"/>
+          <a:chExt cx="0" cy="0"/>
+        </a:xfrm>
+      </p:grpSpPr>
+      <p:sp>
+        <p:nvSpPr>
+          <p:cNvPr id="2" name="Título 1"/>
+          <p:cNvSpPr>
+            <a:spLocks noGrp="1"/>
+          </p:cNvSpPr>
+          <p:nvPr>
+            <p:ph type="title"/>
+          </p:nvPr>
+        </p:nvSpPr>
+        <p:spPr/>
+        <p:txBody>
+          <a:bodyPr/>
+          <a:lstStyle/>
+          <a:p>
+            <a:r>
+              <a:rPr lang="pt-BR" dirty="0" smtClean="0"/>
+              <a:t>Tendências Futuras</a:t>
+            </a:r>
+            <a:endParaRPr lang="en-US" dirty="0"/>
+          </a:p>
+        </p:txBody>
+      </p:sp>
+      <p:sp>
+        <p:nvSpPr>
+          <p:cNvPr id="3" name="Espaço Reservado para Conteúdo 2"/>
+          <p:cNvSpPr>
+            <a:spLocks noGrp="1"/>
+          </p:cNvSpPr>
+          <p:nvPr>
+            <p:ph idx="1"/>
+          </p:nvPr>
+        </p:nvSpPr>
+        <p:spPr/>
+        <p:txBody>
+          <a:bodyPr/>
+          <a:lstStyle/>
+          <a:p>
+            <a:pPr marL="82296" indent="0" algn="just">
+              <a:buNone/>
+            </a:pPr>
+            <a:r>
+              <a:rPr lang="pt-BR" dirty="0"/>
+              <a:t>O futuro das certificações ISO foram discutidas na 33ª reunião plenária do ISO/TC176, em Bali, em setembro de 2017, onde teve-se um Workshop denominado “</a:t>
+            </a:r>
+            <a:r>
+              <a:rPr lang="pt-BR" i="1" dirty="0"/>
+              <a:t>Future </a:t>
+            </a:r>
+            <a:r>
+              <a:rPr lang="pt-BR" i="1" dirty="0" err="1"/>
+              <a:t>Concepts</a:t>
+            </a:r>
+            <a:r>
+              <a:rPr lang="pt-BR" i="1" dirty="0"/>
+              <a:t> Workshop</a:t>
+            </a:r>
+            <a:r>
+              <a:rPr lang="pt-BR" dirty="0"/>
+              <a:t>”. Lá foram levantados os desafios que a certificação pode passar com o avanço tecnológico atual conforme a imagem </a:t>
+            </a:r>
+            <a:r>
+              <a:rPr lang="pt-BR" dirty="0" smtClean="0"/>
+              <a:t>a seguir.</a:t>
+            </a:r>
+            <a:endParaRPr lang="en-US" dirty="0"/>
+          </a:p>
+        </p:txBody>
+      </p:sp>
+      <p:pic>
+        <p:nvPicPr>
+          <p:cNvPr id="4" name="Imagem 3" descr="gestão3"/>
+          <p:cNvPicPr/>
+          <p:nvPr/>
+        </p:nvPicPr>
+        <p:blipFill rotWithShape="1">
+          <a:blip r:embed="rId2">
+            <a:extLst>
+              <a:ext uri="{28A0092B-C50C-407E-A947-70E740481C1C}">
+                <a14:useLocalDpi xmlns:a14="http://schemas.microsoft.com/office/drawing/2010/main" val="0"/>
+              </a:ext>
+            </a:extLst>
+          </a:blip>
+          <a:srcRect b="7274"/>
+          <a:stretch/>
+        </p:blipFill>
+        <p:spPr bwMode="auto">
+          <a:xfrm>
+            <a:off x="1187624" y="1124744"/>
+            <a:ext cx="7746064" cy="5472608"/>
+          </a:xfrm>
+          <a:prstGeom prst="rect">
+            <a:avLst/>
+          </a:prstGeom>
+          <a:noFill/>
+          <a:ln>
+            <a:noFill/>
+          </a:ln>
+          <a:extLst>
+            <a:ext uri="{53640926-AAD7-44D8-BBD7-CCE9431645EC}">
+              <a14:shadowObscured xmlns:a14="http://schemas.microsoft.com/office/drawing/2010/main"/>
+            </a:ext>
+          </a:extLst>
+        </p:spPr>
+      </p:pic>
+    </p:spTree>
+    <p:extLst>
+      <p:ext uri="{BB962C8B-B14F-4D97-AF65-F5344CB8AC3E}">
+        <p14:creationId xmlns:p14="http://schemas.microsoft.com/office/powerpoint/2010/main" val="2098345783"/>
+      </p:ext>
+    </p:extLst>
+  </p:cSld>
+  <p:clrMapOvr>
+    <a:masterClrMapping/>
+  </p:clrMapOvr>
+</p:sld>
+</file>
+
+<file path=ppt/slides/slide41.xml><?xml version="1.0" encoding="utf-8"?>
+<p:sld xmlns:a="http://schemas.openxmlformats.org/drawingml/2006/main" xmlns:r="http://schemas.openxmlformats.org/officeDocument/2006/relationships" xmlns:p="http://schemas.openxmlformats.org/presentationml/2006/main">
+  <p:cSld>
+    <p:spTree>
+      <p:nvGrpSpPr>
+        <p:cNvPr id="1" name=""/>
+        <p:cNvGrpSpPr/>
+        <p:nvPr/>
+      </p:nvGrpSpPr>
+      <p:grpSpPr>
+        <a:xfrm>
+          <a:off x="0" y="0"/>
+          <a:ext cx="0" cy="0"/>
+          <a:chOff x="0" y="0"/>
+          <a:chExt cx="0" cy="0"/>
+        </a:xfrm>
+      </p:grpSpPr>
+      <p:sp>
+        <p:nvSpPr>
+          <p:cNvPr id="2" name="Título 1"/>
+          <p:cNvSpPr>
+            <a:spLocks noGrp="1"/>
+          </p:cNvSpPr>
+          <p:nvPr>
+            <p:ph type="title"/>
+          </p:nvPr>
+        </p:nvSpPr>
+        <p:spPr/>
+        <p:txBody>
+          <a:bodyPr/>
+          <a:lstStyle/>
+          <a:p>
+            <a:r>
+              <a:rPr lang="pt-BR" dirty="0" smtClean="0"/>
+              <a:t>Relação com a matéria</a:t>
+            </a:r>
+            <a:endParaRPr lang="en-US" dirty="0"/>
+          </a:p>
+        </p:txBody>
+      </p:sp>
+      <p:sp>
+        <p:nvSpPr>
+          <p:cNvPr id="3" name="Espaço Reservado para Conteúdo 2"/>
+          <p:cNvSpPr>
+            <a:spLocks noGrp="1"/>
+          </p:cNvSpPr>
+          <p:nvPr>
+            <p:ph idx="1"/>
+          </p:nvPr>
+        </p:nvSpPr>
+        <p:spPr/>
+        <p:txBody>
+          <a:bodyPr/>
+          <a:lstStyle/>
+          <a:p>
+            <a:pPr marL="82296" indent="0" algn="just">
+              <a:buNone/>
+            </a:pPr>
+            <a:r>
+              <a:rPr lang="pt-BR" dirty="0" smtClean="0"/>
+              <a:t>A ISO 9001 tem relação direta com Gestão de Qualidade, que é uma das áreas de Qualidade de Software.</a:t>
+            </a:r>
+            <a:r>
+              <a:rPr lang="en-US" dirty="0" smtClean="0"/>
+              <a:t> </a:t>
+            </a:r>
+            <a:r>
+              <a:rPr lang="pt-BR" dirty="0" smtClean="0"/>
+              <a:t>Abordando diretamente as três atividades:</a:t>
+            </a:r>
+          </a:p>
+          <a:p>
+            <a:pPr algn="just"/>
+            <a:r>
+              <a:rPr lang="pt-BR" dirty="0" smtClean="0"/>
+              <a:t>Garantia de Qualidade</a:t>
+            </a:r>
+          </a:p>
+          <a:p>
+            <a:pPr algn="just"/>
+            <a:r>
+              <a:rPr lang="pt-BR" dirty="0" smtClean="0"/>
+              <a:t>Planejamento de Qualidade</a:t>
+            </a:r>
+          </a:p>
+          <a:p>
+            <a:pPr algn="just"/>
+            <a:r>
+              <a:rPr lang="pt-BR" dirty="0" smtClean="0"/>
+              <a:t>Controle de Qualidade</a:t>
+            </a:r>
+          </a:p>
+        </p:txBody>
+      </p:sp>
+    </p:spTree>
+    <p:extLst>
+      <p:ext uri="{BB962C8B-B14F-4D97-AF65-F5344CB8AC3E}">
+        <p14:creationId xmlns:p14="http://schemas.microsoft.com/office/powerpoint/2010/main" val="923785233"/>
+      </p:ext>
+    </p:extLst>
+  </p:cSld>
+  <p:clrMapOvr>
+    <a:masterClrMapping/>
+  </p:clrMapOvr>
 </p:sld>
 </file>
 
@@ -13525,7 +16125,6 @@
               <a:rPr lang="pt-BR" dirty="0"/>
               <a:t>Diretrizes para auditoria de sistemas de gerenciamento.</a:t>
             </a:r>
-            <a:endParaRPr lang="pt-BR" dirty="0"/>
           </a:p>
         </p:txBody>
       </p:sp>
@@ -13673,7 +16272,6 @@
               <a:rPr lang="pt-BR" sz="1600" dirty="0"/>
               <a:t>Benefícios mútuos com fornecedores ou Gestão de relacionamentos.</a:t>
             </a:r>
-            <a:endParaRPr lang="pt-BR" sz="1600" dirty="0"/>
           </a:p>
         </p:txBody>
       </p:sp>
@@ -14577,4 +17175,265 @@
   <a:objectDefaults/>
   <a:extraClrSchemeLst/>
 </a:theme>
+</file>
+
+<file path=ppt/theme/theme2.xml><?xml version="1.0" encoding="utf-8"?>
+<a:theme xmlns:a="http://schemas.openxmlformats.org/drawingml/2006/main" name="Tema do Office">
+  <a:themeElements>
+    <a:clrScheme name="Office">
+      <a:dk1>
+        <a:sysClr val="windowText" lastClr="000000"/>
+      </a:dk1>
+      <a:lt1>
+        <a:sysClr val="window" lastClr="FFFFFF"/>
+      </a:lt1>
+      <a:dk2>
+        <a:srgbClr val="44546A"/>
+      </a:dk2>
+      <a:lt2>
+        <a:srgbClr val="E7E6E6"/>
+      </a:lt2>
+      <a:accent1>
+        <a:srgbClr val="5B9BD5"/>
+      </a:accent1>
+      <a:accent2>
+        <a:srgbClr val="ED7D31"/>
+      </a:accent2>
+      <a:accent3>
+        <a:srgbClr val="A5A5A5"/>
+      </a:accent3>
+      <a:accent4>
+        <a:srgbClr val="FFC000"/>
+      </a:accent4>
+      <a:accent5>
+        <a:srgbClr val="4472C4"/>
+      </a:accent5>
+      <a:accent6>
+        <a:srgbClr val="70AD47"/>
+      </a:accent6>
+      <a:hlink>
+        <a:srgbClr val="0563C1"/>
+      </a:hlink>
+      <a:folHlink>
+        <a:srgbClr val="954F72"/>
+      </a:folHlink>
+    </a:clrScheme>
+    <a:fontScheme name="Office">
+      <a:majorFont>
+        <a:latin typeface="Calibri Light" panose="020F0302020204030204"/>
+        <a:ea typeface=""/>
+        <a:cs typeface=""/>
+        <a:font script="Jpan" typeface="游ゴシック Light"/>
+        <a:font script="Hang" typeface="맑은 고딕"/>
+        <a:font script="Hans" typeface="等线 Light"/>
+        <a:font script="Hant" typeface="新細明體"/>
+        <a:font script="Arab" typeface="Times New Roman"/>
+        <a:font script="Hebr" typeface="Times New Roman"/>
+        <a:font script="Thai" typeface="Angsana New"/>
+        <a:font script="Ethi" typeface="Nyala"/>
+        <a:font script="Beng" typeface="Vrinda"/>
+        <a:font script="Gujr" typeface="Shruti"/>
+        <a:font script="Khmr" typeface="MoolBoran"/>
+        <a:font script="Knda" typeface="Tunga"/>
+        <a:font script="Guru" typeface="Raavi"/>
+        <a:font script="Cans" typeface="Euphemia"/>
+        <a:font script="Cher" typeface="Plantagenet Cherokee"/>
+        <a:font script="Yiii" typeface="Microsoft Yi Baiti"/>
+        <a:font script="Tibt" typeface="Microsoft Himalaya"/>
+        <a:font script="Thaa" typeface="MV Boli"/>
+        <a:font script="Deva" typeface="Mangal"/>
+        <a:font script="Telu" typeface="Gautami"/>
+        <a:font script="Taml" typeface="Latha"/>
+        <a:font script="Syrc" typeface="Estrangelo Edessa"/>
+        <a:font script="Orya" typeface="Kalinga"/>
+        <a:font script="Mlym" typeface="Kartika"/>
+        <a:font script="Laoo" typeface="DokChampa"/>
+        <a:font script="Sinh" typeface="Iskoola Pota"/>
+        <a:font script="Mong" typeface="Mongolian Baiti"/>
+        <a:font script="Viet" typeface="Times New Roman"/>
+        <a:font script="Uigh" typeface="Microsoft Uighur"/>
+        <a:font script="Geor" typeface="Sylfaen"/>
+      </a:majorFont>
+      <a:minorFont>
+        <a:latin typeface="Calibri" panose="020F0502020204030204"/>
+        <a:ea typeface=""/>
+        <a:cs typeface=""/>
+        <a:font script="Jpan" typeface="游ゴシック"/>
+        <a:font script="Hang" typeface="맑은 고딕"/>
+        <a:font script="Hans" typeface="等线"/>
+        <a:font script="Hant" typeface="新細明體"/>
+        <a:font script="Arab" typeface="Arial"/>
+        <a:font script="Hebr" typeface="Arial"/>
+        <a:font script="Thai" typeface="Cordia New"/>
+        <a:font script="Ethi" typeface="Nyala"/>
+        <a:font script="Beng" typeface="Vrinda"/>
+        <a:font script="Gujr" typeface="Shruti"/>
+        <a:font script="Khmr" typeface="DaunPenh"/>
+        <a:font script="Knda" typeface="Tunga"/>
+        <a:font script="Guru" typeface="Raavi"/>
+        <a:font script="Cans" typeface="Euphemia"/>
+        <a:font script="Cher" typeface="Plantagenet Cherokee"/>
+        <a:font script="Yiii" typeface="Microsoft Yi Baiti"/>
+        <a:font script="Tibt" typeface="Microsoft Himalaya"/>
+        <a:font script="Thaa" typeface="MV Boli"/>
+        <a:font script="Deva" typeface="Mangal"/>
+        <a:font script="Telu" typeface="Gautami"/>
+        <a:font script="Taml" typeface="Latha"/>
+        <a:font script="Syrc" typeface="Estrangelo Edessa"/>
+        <a:font script="Orya" typeface="Kalinga"/>
+        <a:font script="Mlym" typeface="Kartika"/>
+        <a:font script="Laoo" typeface="DokChampa"/>
+        <a:font script="Sinh" typeface="Iskoola Pota"/>
+        <a:font script="Mong" typeface="Mongolian Baiti"/>
+        <a:font script="Viet" typeface="Arial"/>
+        <a:font script="Uigh" typeface="Microsoft Uighur"/>
+        <a:font script="Geor" typeface="Sylfaen"/>
+      </a:minorFont>
+    </a:fontScheme>
+    <a:fmtScheme name="Office">
+      <a:fillStyleLst>
+        <a:solidFill>
+          <a:schemeClr val="phClr"/>
+        </a:solidFill>
+        <a:gradFill rotWithShape="1">
+          <a:gsLst>
+            <a:gs pos="0">
+              <a:schemeClr val="phClr">
+                <a:lumMod val="110000"/>
+                <a:satMod val="105000"/>
+                <a:tint val="67000"/>
+              </a:schemeClr>
+            </a:gs>
+            <a:gs pos="50000">
+              <a:schemeClr val="phClr">
+                <a:lumMod val="105000"/>
+                <a:satMod val="103000"/>
+                <a:tint val="73000"/>
+              </a:schemeClr>
+            </a:gs>
+            <a:gs pos="100000">
+              <a:schemeClr val="phClr">
+                <a:lumMod val="105000"/>
+                <a:satMod val="109000"/>
+                <a:tint val="81000"/>
+              </a:schemeClr>
+            </a:gs>
+          </a:gsLst>
+          <a:lin ang="5400000" scaled="0"/>
+        </a:gradFill>
+        <a:gradFill rotWithShape="1">
+          <a:gsLst>
+            <a:gs pos="0">
+              <a:schemeClr val="phClr">
+                <a:satMod val="103000"/>
+                <a:lumMod val="102000"/>
+                <a:tint val="94000"/>
+              </a:schemeClr>
+            </a:gs>
+            <a:gs pos="50000">
+              <a:schemeClr val="phClr">
+                <a:satMod val="110000"/>
+                <a:lumMod val="100000"/>
+                <a:shade val="100000"/>
+              </a:schemeClr>
+            </a:gs>
+            <a:gs pos="100000">
+              <a:schemeClr val="phClr">
+                <a:lumMod val="99000"/>
+                <a:satMod val="120000"/>
+                <a:shade val="78000"/>
+              </a:schemeClr>
+            </a:gs>
+          </a:gsLst>
+          <a:lin ang="5400000" scaled="0"/>
+        </a:gradFill>
+      </a:fillStyleLst>
+      <a:lnStyleLst>
+        <a:ln w="6350" cap="flat" cmpd="sng" algn="ctr">
+          <a:solidFill>
+            <a:schemeClr val="phClr"/>
+          </a:solidFill>
+          <a:prstDash val="solid"/>
+          <a:miter lim="800000"/>
+        </a:ln>
+        <a:ln w="12700" cap="flat" cmpd="sng" algn="ctr">
+          <a:solidFill>
+            <a:schemeClr val="phClr"/>
+          </a:solidFill>
+          <a:prstDash val="solid"/>
+          <a:miter lim="800000"/>
+        </a:ln>
+        <a:ln w="19050" cap="flat" cmpd="sng" algn="ctr">
+          <a:solidFill>
+            <a:schemeClr val="phClr"/>
+          </a:solidFill>
+          <a:prstDash val="solid"/>
+          <a:miter lim="800000"/>
+        </a:ln>
+      </a:lnStyleLst>
+      <a:effectStyleLst>
+        <a:effectStyle>
+          <a:effectLst/>
+        </a:effectStyle>
+        <a:effectStyle>
+          <a:effectLst/>
+        </a:effectStyle>
+        <a:effectStyle>
+          <a:effectLst>
+            <a:outerShdw blurRad="57150" dist="19050" dir="5400000" algn="ctr" rotWithShape="0">
+              <a:srgbClr val="000000">
+                <a:alpha val="63000"/>
+              </a:srgbClr>
+            </a:outerShdw>
+          </a:effectLst>
+        </a:effectStyle>
+      </a:effectStyleLst>
+      <a:bgFillStyleLst>
+        <a:solidFill>
+          <a:schemeClr val="phClr"/>
+        </a:solidFill>
+        <a:solidFill>
+          <a:schemeClr val="phClr">
+            <a:tint val="95000"/>
+            <a:satMod val="170000"/>
+          </a:schemeClr>
+        </a:solidFill>
+        <a:gradFill rotWithShape="1">
+          <a:gsLst>
+            <a:gs pos="0">
+              <a:schemeClr val="phClr">
+                <a:tint val="93000"/>
+                <a:satMod val="150000"/>
+                <a:shade val="98000"/>
+                <a:lumMod val="102000"/>
+              </a:schemeClr>
+            </a:gs>
+            <a:gs pos="50000">
+              <a:schemeClr val="phClr">
+                <a:tint val="98000"/>
+                <a:satMod val="130000"/>
+                <a:shade val="90000"/>
+                <a:lumMod val="103000"/>
+              </a:schemeClr>
+            </a:gs>
+            <a:gs pos="100000">
+              <a:schemeClr val="phClr">
+                <a:shade val="63000"/>
+                <a:satMod val="120000"/>
+              </a:schemeClr>
+            </a:gs>
+          </a:gsLst>
+          <a:lin ang="5400000" scaled="0"/>
+        </a:gradFill>
+      </a:bgFillStyleLst>
+    </a:fmtScheme>
+  </a:themeElements>
+  <a:objectDefaults/>
+  <a:extraClrSchemeLst/>
+  <a:extLst>
+    <a:ext uri="{05A4C25C-085E-4340-85A3-A5531E510DB2}">
+      <thm15:themeFamily xmlns:thm15="http://schemas.microsoft.com/office/thememl/2012/main" name="Office Theme" id="{62F939B6-93AF-4DB8-9C6B-D6C7DFDC589F}" vid="{4A3C46E8-61CC-4603-A589-7422A47A8E4A}"/>
+    </a:ext>
+  </a:extLst>
+</a:theme>
 </file>